--- a/OpenAI.pptx
+++ b/OpenAI.pptx
@@ -5,17 +5,36 @@
     <p:sldMasterId id="2147483648" r:id="rId1"/>
   </p:sldMasterIdLst>
   <p:sldIdLst>
-    <p:sldId id="256" r:id="rId7"/>
-    <p:sldId id="257" r:id="rId8"/>
-    <p:sldId id="258" r:id="rId9"/>
-    <p:sldId id="259" r:id="rId10"/>
-    <p:sldId id="260" r:id="rId11"/>
-    <p:sldId id="261" r:id="rId12"/>
-    <p:sldId id="262" r:id="rId13"/>
-    <p:sldId id="263" r:id="rId14"/>
-    <p:sldId id="264" r:id="rId15"/>
-    <p:sldId id="265" r:id="rId16"/>
-    <p:sldId id="266" r:id="rId17"/>
+    <p:sldId id="256" r:id="rId2"/>
+    <p:sldId id="257" r:id="rId3"/>
+    <p:sldId id="258" r:id="rId4"/>
+    <p:sldId id="260" r:id="rId5"/>
+    <p:sldId id="261" r:id="rId6"/>
+    <p:sldId id="262" r:id="rId7"/>
+    <p:sldId id="264" r:id="rId8"/>
+    <p:sldId id="265" r:id="rId9"/>
+    <p:sldId id="266" r:id="rId10"/>
+    <p:sldId id="268" r:id="rId11"/>
+    <p:sldId id="269" r:id="rId12"/>
+    <p:sldId id="270" r:id="rId13"/>
+    <p:sldId id="272" r:id="rId14"/>
+    <p:sldId id="273" r:id="rId15"/>
+    <p:sldId id="274" r:id="rId16"/>
+    <p:sldId id="276" r:id="rId17"/>
+    <p:sldId id="277" r:id="rId18"/>
+    <p:sldId id="279" r:id="rId19"/>
+    <p:sldId id="280" r:id="rId20"/>
+    <p:sldId id="281" r:id="rId21"/>
+    <p:sldId id="283" r:id="rId22"/>
+    <p:sldId id="284" r:id="rId23"/>
+    <p:sldId id="285" r:id="rId24"/>
+    <p:sldId id="286" r:id="rId25"/>
+    <p:sldId id="287" r:id="rId26"/>
+    <p:sldId id="288" r:id="rId27"/>
+    <p:sldId id="290" r:id="rId28"/>
+    <p:sldId id="291" r:id="rId29"/>
+    <p:sldId id="292" r:id="rId30"/>
+    <p:sldId id="294" r:id="rId31"/>
   </p:sldIdLst>
   <p:sldSz cx="9144000" cy="6858000" type="screen4x3"/>
   <p:notesSz cx="6858000" cy="9144000"/>
@@ -114,6 +133,22 @@
       </a:defRPr>
     </a:lvl9pPr>
   </p:defaultTextStyle>
+  <p:extLst>
+    <p:ext uri="{EFAFB233-063F-42B5-8137-9DF3F51BA10A}">
+      <p15:sldGuideLst xmlns:p15="http://schemas.microsoft.com/office/powerpoint/2012/main">
+        <p15:guide id="1" orient="horz" pos="2160">
+          <p15:clr>
+            <a:srgbClr val="A4A3A4"/>
+          </p15:clr>
+        </p15:guide>
+        <p15:guide id="2" pos="2880">
+          <p15:clr>
+            <a:srgbClr val="A4A3A4"/>
+          </p15:clr>
+        </p15:guide>
+      </p15:sldGuideLst>
+    </p:ext>
+  </p:extLst>
 </p:presentation>
 </file>
 
@@ -155,10 +190,9 @@
           <a:lstStyle/>
           <a:p>
             <a:r>
-              <a:rPr lang="en-US" smtClean="0"/>
+              <a:rPr lang="en-US"/>
               <a:t>Click to edit Master title style</a:t>
             </a:r>
-            <a:endParaRPr lang="en-US"/>
           </a:p>
         </p:txBody>
       </p:sp>
@@ -274,10 +308,9 @@
           </a:lstStyle>
           <a:p>
             <a:r>
-              <a:rPr lang="en-US" smtClean="0"/>
+              <a:rPr lang="en-US"/>
               <a:t>Click to edit Master subtitle style</a:t>
             </a:r>
-            <a:endParaRPr lang="en-US"/>
           </a:p>
         </p:txBody>
       </p:sp>
@@ -298,7 +331,7 @@
           <a:p>
             <a:fld id="{5BCAD085-E8A6-8845-BD4E-CB4CCA059FC4}" type="datetimeFigureOut">
               <a:rPr lang="en-US" smtClean="0"/>
-              <a:t>1/27/13</a:t>
+              <a:t>12/13/24</a:t>
             </a:fld>
             <a:endParaRPr lang="en-US"/>
           </a:p>
@@ -392,10 +425,9 @@
           <a:lstStyle/>
           <a:p>
             <a:r>
-              <a:rPr lang="en-US" smtClean="0"/>
+              <a:rPr lang="en-US"/>
               <a:t>Click to edit Master title style</a:t>
             </a:r>
-            <a:endParaRPr lang="en-US"/>
           </a:p>
         </p:txBody>
       </p:sp>
@@ -416,38 +448,37 @@
           <a:p>
             <a:pPr lvl="0"/>
             <a:r>
-              <a:rPr lang="en-US" smtClean="0"/>
+              <a:rPr lang="en-US"/>
               <a:t>Click to edit Master text styles</a:t>
             </a:r>
           </a:p>
           <a:p>
             <a:pPr lvl="1"/>
             <a:r>
-              <a:rPr lang="en-US" smtClean="0"/>
+              <a:rPr lang="en-US"/>
               <a:t>Second level</a:t>
             </a:r>
           </a:p>
           <a:p>
             <a:pPr lvl="2"/>
             <a:r>
-              <a:rPr lang="en-US" smtClean="0"/>
+              <a:rPr lang="en-US"/>
               <a:t>Third level</a:t>
             </a:r>
           </a:p>
           <a:p>
             <a:pPr lvl="3"/>
             <a:r>
-              <a:rPr lang="en-US" smtClean="0"/>
+              <a:rPr lang="en-US"/>
               <a:t>Fourth level</a:t>
             </a:r>
           </a:p>
           <a:p>
             <a:pPr lvl="4"/>
             <a:r>
-              <a:rPr lang="en-US" smtClean="0"/>
+              <a:rPr lang="en-US"/>
               <a:t>Fifth level</a:t>
             </a:r>
-            <a:endParaRPr lang="en-US"/>
           </a:p>
         </p:txBody>
       </p:sp>
@@ -468,7 +499,7 @@
           <a:p>
             <a:fld id="{5BCAD085-E8A6-8845-BD4E-CB4CCA059FC4}" type="datetimeFigureOut">
               <a:rPr lang="en-US" smtClean="0"/>
-              <a:t>1/27/13</a:t>
+              <a:t>12/13/24</a:t>
             </a:fld>
             <a:endParaRPr lang="en-US"/>
           </a:p>
@@ -567,10 +598,9 @@
           <a:lstStyle/>
           <a:p>
             <a:r>
-              <a:rPr lang="en-US" smtClean="0"/>
+              <a:rPr lang="en-US"/>
               <a:t>Click to edit Master title style</a:t>
             </a:r>
-            <a:endParaRPr lang="en-US"/>
           </a:p>
         </p:txBody>
       </p:sp>
@@ -596,38 +626,37 @@
           <a:p>
             <a:pPr lvl="0"/>
             <a:r>
-              <a:rPr lang="en-US" smtClean="0"/>
+              <a:rPr lang="en-US"/>
               <a:t>Click to edit Master text styles</a:t>
             </a:r>
           </a:p>
           <a:p>
             <a:pPr lvl="1"/>
             <a:r>
-              <a:rPr lang="en-US" smtClean="0"/>
+              <a:rPr lang="en-US"/>
               <a:t>Second level</a:t>
             </a:r>
           </a:p>
           <a:p>
             <a:pPr lvl="2"/>
             <a:r>
-              <a:rPr lang="en-US" smtClean="0"/>
+              <a:rPr lang="en-US"/>
               <a:t>Third level</a:t>
             </a:r>
           </a:p>
           <a:p>
             <a:pPr lvl="3"/>
             <a:r>
-              <a:rPr lang="en-US" smtClean="0"/>
+              <a:rPr lang="en-US"/>
               <a:t>Fourth level</a:t>
             </a:r>
           </a:p>
           <a:p>
             <a:pPr lvl="4"/>
             <a:r>
-              <a:rPr lang="en-US" smtClean="0"/>
+              <a:rPr lang="en-US"/>
               <a:t>Fifth level</a:t>
             </a:r>
-            <a:endParaRPr lang="en-US"/>
           </a:p>
         </p:txBody>
       </p:sp>
@@ -648,7 +677,7 @@
           <a:p>
             <a:fld id="{5BCAD085-E8A6-8845-BD4E-CB4CCA059FC4}" type="datetimeFigureOut">
               <a:rPr lang="en-US" smtClean="0"/>
-              <a:t>1/27/13</a:t>
+              <a:t>12/13/24</a:t>
             </a:fld>
             <a:endParaRPr lang="en-US"/>
           </a:p>
@@ -742,10 +771,9 @@
           <a:lstStyle/>
           <a:p>
             <a:r>
-              <a:rPr lang="en-US" smtClean="0"/>
+              <a:rPr lang="en-US"/>
               <a:t>Click to edit Master title style</a:t>
             </a:r>
-            <a:endParaRPr lang="en-US"/>
           </a:p>
         </p:txBody>
       </p:sp>
@@ -766,38 +794,37 @@
           <a:p>
             <a:pPr lvl="0"/>
             <a:r>
-              <a:rPr lang="en-US" smtClean="0"/>
+              <a:rPr lang="en-US"/>
               <a:t>Click to edit Master text styles</a:t>
             </a:r>
           </a:p>
           <a:p>
             <a:pPr lvl="1"/>
             <a:r>
-              <a:rPr lang="en-US" smtClean="0"/>
+              <a:rPr lang="en-US"/>
               <a:t>Second level</a:t>
             </a:r>
           </a:p>
           <a:p>
             <a:pPr lvl="2"/>
             <a:r>
-              <a:rPr lang="en-US" smtClean="0"/>
+              <a:rPr lang="en-US"/>
               <a:t>Third level</a:t>
             </a:r>
           </a:p>
           <a:p>
             <a:pPr lvl="3"/>
             <a:r>
-              <a:rPr lang="en-US" smtClean="0"/>
+              <a:rPr lang="en-US"/>
               <a:t>Fourth level</a:t>
             </a:r>
           </a:p>
           <a:p>
             <a:pPr lvl="4"/>
             <a:r>
-              <a:rPr lang="en-US" smtClean="0"/>
+              <a:rPr lang="en-US"/>
               <a:t>Fifth level</a:t>
             </a:r>
-            <a:endParaRPr lang="en-US"/>
           </a:p>
         </p:txBody>
       </p:sp>
@@ -818,7 +845,7 @@
           <a:p>
             <a:fld id="{5BCAD085-E8A6-8845-BD4E-CB4CCA059FC4}" type="datetimeFigureOut">
               <a:rPr lang="en-US" smtClean="0"/>
-              <a:t>1/27/13</a:t>
+              <a:t>12/13/24</a:t>
             </a:fld>
             <a:endParaRPr lang="en-US"/>
           </a:p>
@@ -921,10 +948,9 @@
           </a:lstStyle>
           <a:p>
             <a:r>
-              <a:rPr lang="en-US" smtClean="0"/>
+              <a:rPr lang="en-US"/>
               <a:t>Click to edit Master title style</a:t>
             </a:r>
-            <a:endParaRPr lang="en-US"/>
           </a:p>
         </p:txBody>
       </p:sp>
@@ -1041,7 +1067,7 @@
           <a:p>
             <a:pPr lvl="0"/>
             <a:r>
-              <a:rPr lang="en-US" smtClean="0"/>
+              <a:rPr lang="en-US"/>
               <a:t>Click to edit Master text styles</a:t>
             </a:r>
           </a:p>
@@ -1064,7 +1090,7 @@
           <a:p>
             <a:fld id="{5BCAD085-E8A6-8845-BD4E-CB4CCA059FC4}" type="datetimeFigureOut">
               <a:rPr lang="en-US" smtClean="0"/>
-              <a:t>1/27/13</a:t>
+              <a:t>12/13/24</a:t>
             </a:fld>
             <a:endParaRPr lang="en-US"/>
           </a:p>
@@ -1158,10 +1184,9 @@
           <a:lstStyle/>
           <a:p>
             <a:r>
-              <a:rPr lang="en-US" smtClean="0"/>
+              <a:rPr lang="en-US"/>
               <a:t>Click to edit Master title style</a:t>
             </a:r>
-            <a:endParaRPr lang="en-US"/>
           </a:p>
         </p:txBody>
       </p:sp>
@@ -1215,38 +1240,37 @@
           <a:p>
             <a:pPr lvl="0"/>
             <a:r>
-              <a:rPr lang="en-US" smtClean="0"/>
+              <a:rPr lang="en-US"/>
               <a:t>Click to edit Master text styles</a:t>
             </a:r>
           </a:p>
           <a:p>
             <a:pPr lvl="1"/>
             <a:r>
-              <a:rPr lang="en-US" smtClean="0"/>
+              <a:rPr lang="en-US"/>
               <a:t>Second level</a:t>
             </a:r>
           </a:p>
           <a:p>
             <a:pPr lvl="2"/>
             <a:r>
-              <a:rPr lang="en-US" smtClean="0"/>
+              <a:rPr lang="en-US"/>
               <a:t>Third level</a:t>
             </a:r>
           </a:p>
           <a:p>
             <a:pPr lvl="3"/>
             <a:r>
-              <a:rPr lang="en-US" smtClean="0"/>
+              <a:rPr lang="en-US"/>
               <a:t>Fourth level</a:t>
             </a:r>
           </a:p>
           <a:p>
             <a:pPr lvl="4"/>
             <a:r>
-              <a:rPr lang="en-US" smtClean="0"/>
+              <a:rPr lang="en-US"/>
               <a:t>Fifth level</a:t>
             </a:r>
-            <a:endParaRPr lang="en-US"/>
           </a:p>
         </p:txBody>
       </p:sp>
@@ -1300,38 +1324,37 @@
           <a:p>
             <a:pPr lvl="0"/>
             <a:r>
-              <a:rPr lang="en-US" smtClean="0"/>
+              <a:rPr lang="en-US"/>
               <a:t>Click to edit Master text styles</a:t>
             </a:r>
           </a:p>
           <a:p>
             <a:pPr lvl="1"/>
             <a:r>
-              <a:rPr lang="en-US" smtClean="0"/>
+              <a:rPr lang="en-US"/>
               <a:t>Second level</a:t>
             </a:r>
           </a:p>
           <a:p>
             <a:pPr lvl="2"/>
             <a:r>
-              <a:rPr lang="en-US" smtClean="0"/>
+              <a:rPr lang="en-US"/>
               <a:t>Third level</a:t>
             </a:r>
           </a:p>
           <a:p>
             <a:pPr lvl="3"/>
             <a:r>
-              <a:rPr lang="en-US" smtClean="0"/>
+              <a:rPr lang="en-US"/>
               <a:t>Fourth level</a:t>
             </a:r>
           </a:p>
           <a:p>
             <a:pPr lvl="4"/>
             <a:r>
-              <a:rPr lang="en-US" smtClean="0"/>
+              <a:rPr lang="en-US"/>
               <a:t>Fifth level</a:t>
             </a:r>
-            <a:endParaRPr lang="en-US"/>
           </a:p>
         </p:txBody>
       </p:sp>
@@ -1352,7 +1375,7 @@
           <a:p>
             <a:fld id="{5BCAD085-E8A6-8845-BD4E-CB4CCA059FC4}" type="datetimeFigureOut">
               <a:rPr lang="en-US" smtClean="0"/>
-              <a:t>1/27/13</a:t>
+              <a:t>12/13/24</a:t>
             </a:fld>
             <a:endParaRPr lang="en-US"/>
           </a:p>
@@ -1450,10 +1473,9 @@
           </a:lstStyle>
           <a:p>
             <a:r>
-              <a:rPr lang="en-US" smtClean="0"/>
+              <a:rPr lang="en-US"/>
               <a:t>Click to edit Master title style</a:t>
             </a:r>
-            <a:endParaRPr lang="en-US"/>
           </a:p>
         </p:txBody>
       </p:sp>
@@ -1516,7 +1538,7 @@
           <a:p>
             <a:pPr lvl="0"/>
             <a:r>
-              <a:rPr lang="en-US" smtClean="0"/>
+              <a:rPr lang="en-US"/>
               <a:t>Click to edit Master text styles</a:t>
             </a:r>
           </a:p>
@@ -1572,38 +1594,37 @@
           <a:p>
             <a:pPr lvl="0"/>
             <a:r>
-              <a:rPr lang="en-US" smtClean="0"/>
+              <a:rPr lang="en-US"/>
               <a:t>Click to edit Master text styles</a:t>
             </a:r>
           </a:p>
           <a:p>
             <a:pPr lvl="1"/>
             <a:r>
-              <a:rPr lang="en-US" smtClean="0"/>
+              <a:rPr lang="en-US"/>
               <a:t>Second level</a:t>
             </a:r>
           </a:p>
           <a:p>
             <a:pPr lvl="2"/>
             <a:r>
-              <a:rPr lang="en-US" smtClean="0"/>
+              <a:rPr lang="en-US"/>
               <a:t>Third level</a:t>
             </a:r>
           </a:p>
           <a:p>
             <a:pPr lvl="3"/>
             <a:r>
-              <a:rPr lang="en-US" smtClean="0"/>
+              <a:rPr lang="en-US"/>
               <a:t>Fourth level</a:t>
             </a:r>
           </a:p>
           <a:p>
             <a:pPr lvl="4"/>
             <a:r>
-              <a:rPr lang="en-US" smtClean="0"/>
+              <a:rPr lang="en-US"/>
               <a:t>Fifth level</a:t>
             </a:r>
-            <a:endParaRPr lang="en-US"/>
           </a:p>
         </p:txBody>
       </p:sp>
@@ -1666,7 +1687,7 @@
           <a:p>
             <a:pPr lvl="0"/>
             <a:r>
-              <a:rPr lang="en-US" smtClean="0"/>
+              <a:rPr lang="en-US"/>
               <a:t>Click to edit Master text styles</a:t>
             </a:r>
           </a:p>
@@ -1722,38 +1743,37 @@
           <a:p>
             <a:pPr lvl="0"/>
             <a:r>
-              <a:rPr lang="en-US" smtClean="0"/>
+              <a:rPr lang="en-US"/>
               <a:t>Click to edit Master text styles</a:t>
             </a:r>
           </a:p>
           <a:p>
             <a:pPr lvl="1"/>
             <a:r>
-              <a:rPr lang="en-US" smtClean="0"/>
+              <a:rPr lang="en-US"/>
               <a:t>Second level</a:t>
             </a:r>
           </a:p>
           <a:p>
             <a:pPr lvl="2"/>
             <a:r>
-              <a:rPr lang="en-US" smtClean="0"/>
+              <a:rPr lang="en-US"/>
               <a:t>Third level</a:t>
             </a:r>
           </a:p>
           <a:p>
             <a:pPr lvl="3"/>
             <a:r>
-              <a:rPr lang="en-US" smtClean="0"/>
+              <a:rPr lang="en-US"/>
               <a:t>Fourth level</a:t>
             </a:r>
           </a:p>
           <a:p>
             <a:pPr lvl="4"/>
             <a:r>
-              <a:rPr lang="en-US" smtClean="0"/>
+              <a:rPr lang="en-US"/>
               <a:t>Fifth level</a:t>
             </a:r>
-            <a:endParaRPr lang="en-US"/>
           </a:p>
         </p:txBody>
       </p:sp>
@@ -1774,7 +1794,7 @@
           <a:p>
             <a:fld id="{5BCAD085-E8A6-8845-BD4E-CB4CCA059FC4}" type="datetimeFigureOut">
               <a:rPr lang="en-US" smtClean="0"/>
-              <a:t>1/27/13</a:t>
+              <a:t>12/13/24</a:t>
             </a:fld>
             <a:endParaRPr lang="en-US"/>
           </a:p>
@@ -1868,10 +1888,9 @@
           <a:lstStyle/>
           <a:p>
             <a:r>
-              <a:rPr lang="en-US" smtClean="0"/>
+              <a:rPr lang="en-US"/>
               <a:t>Click to edit Master title style</a:t>
             </a:r>
-            <a:endParaRPr lang="en-US"/>
           </a:p>
         </p:txBody>
       </p:sp>
@@ -1892,7 +1911,7 @@
           <a:p>
             <a:fld id="{5BCAD085-E8A6-8845-BD4E-CB4CCA059FC4}" type="datetimeFigureOut">
               <a:rPr lang="en-US" smtClean="0"/>
-              <a:t>1/27/13</a:t>
+              <a:t>12/13/24</a:t>
             </a:fld>
             <a:endParaRPr lang="en-US"/>
           </a:p>
@@ -1987,7 +2006,7 @@
           <a:p>
             <a:fld id="{5BCAD085-E8A6-8845-BD4E-CB4CCA059FC4}" type="datetimeFigureOut">
               <a:rPr lang="en-US" smtClean="0"/>
-              <a:t>1/27/13</a:t>
+              <a:t>12/13/24</a:t>
             </a:fld>
             <a:endParaRPr lang="en-US"/>
           </a:p>
@@ -2090,10 +2109,9 @@
           </a:lstStyle>
           <a:p>
             <a:r>
-              <a:rPr lang="en-US" smtClean="0"/>
+              <a:rPr lang="en-US"/>
               <a:t>Click to edit Master title style</a:t>
             </a:r>
-            <a:endParaRPr lang="en-US"/>
           </a:p>
         </p:txBody>
       </p:sp>
@@ -2147,38 +2165,37 @@
           <a:p>
             <a:pPr lvl="0"/>
             <a:r>
-              <a:rPr lang="en-US" smtClean="0"/>
+              <a:rPr lang="en-US"/>
               <a:t>Click to edit Master text styles</a:t>
             </a:r>
           </a:p>
           <a:p>
             <a:pPr lvl="1"/>
             <a:r>
-              <a:rPr lang="en-US" smtClean="0"/>
+              <a:rPr lang="en-US"/>
               <a:t>Second level</a:t>
             </a:r>
           </a:p>
           <a:p>
             <a:pPr lvl="2"/>
             <a:r>
-              <a:rPr lang="en-US" smtClean="0"/>
+              <a:rPr lang="en-US"/>
               <a:t>Third level</a:t>
             </a:r>
           </a:p>
           <a:p>
             <a:pPr lvl="3"/>
             <a:r>
-              <a:rPr lang="en-US" smtClean="0"/>
+              <a:rPr lang="en-US"/>
               <a:t>Fourth level</a:t>
             </a:r>
           </a:p>
           <a:p>
             <a:pPr lvl="4"/>
             <a:r>
-              <a:rPr lang="en-US" smtClean="0"/>
+              <a:rPr lang="en-US"/>
               <a:t>Fifth level</a:t>
             </a:r>
-            <a:endParaRPr lang="en-US"/>
           </a:p>
         </p:txBody>
       </p:sp>
@@ -2241,7 +2258,7 @@
           <a:p>
             <a:pPr lvl="0"/>
             <a:r>
-              <a:rPr lang="en-US" smtClean="0"/>
+              <a:rPr lang="en-US"/>
               <a:t>Click to edit Master text styles</a:t>
             </a:r>
           </a:p>
@@ -2264,7 +2281,7 @@
           <a:p>
             <a:fld id="{5BCAD085-E8A6-8845-BD4E-CB4CCA059FC4}" type="datetimeFigureOut">
               <a:rPr lang="en-US" smtClean="0"/>
-              <a:t>1/27/13</a:t>
+              <a:t>12/13/24</a:t>
             </a:fld>
             <a:endParaRPr lang="en-US"/>
           </a:p>
@@ -2367,10 +2384,9 @@
           </a:lstStyle>
           <a:p>
             <a:r>
-              <a:rPr lang="en-US" smtClean="0"/>
+              <a:rPr lang="en-US"/>
               <a:t>Click to edit Master title style</a:t>
             </a:r>
-            <a:endParaRPr lang="en-US"/>
           </a:p>
         </p:txBody>
       </p:sp>
@@ -2494,7 +2510,7 @@
           <a:p>
             <a:pPr lvl="0"/>
             <a:r>
-              <a:rPr lang="en-US" smtClean="0"/>
+              <a:rPr lang="en-US"/>
               <a:t>Click to edit Master text styles</a:t>
             </a:r>
           </a:p>
@@ -2517,7 +2533,7 @@
           <a:p>
             <a:fld id="{5BCAD085-E8A6-8845-BD4E-CB4CCA059FC4}" type="datetimeFigureOut">
               <a:rPr lang="en-US" smtClean="0"/>
-              <a:t>1/27/13</a:t>
+              <a:t>12/13/24</a:t>
             </a:fld>
             <a:endParaRPr lang="en-US"/>
           </a:p>
@@ -2626,10 +2642,9 @@
           <a:lstStyle/>
           <a:p>
             <a:r>
-              <a:rPr lang="en-US" smtClean="0"/>
+              <a:rPr lang="en-US"/>
               <a:t>Click to edit Master title style</a:t>
             </a:r>
-            <a:endParaRPr lang="en-US"/>
           </a:p>
         </p:txBody>
       </p:sp>
@@ -2660,38 +2675,37 @@
           <a:p>
             <a:pPr lvl="0"/>
             <a:r>
-              <a:rPr lang="en-US" smtClean="0"/>
+              <a:rPr lang="en-US"/>
               <a:t>Click to edit Master text styles</a:t>
             </a:r>
           </a:p>
           <a:p>
             <a:pPr lvl="1"/>
             <a:r>
-              <a:rPr lang="en-US" smtClean="0"/>
+              <a:rPr lang="en-US"/>
               <a:t>Second level</a:t>
             </a:r>
           </a:p>
           <a:p>
             <a:pPr lvl="2"/>
             <a:r>
-              <a:rPr lang="en-US" smtClean="0"/>
+              <a:rPr lang="en-US"/>
               <a:t>Third level</a:t>
             </a:r>
           </a:p>
           <a:p>
             <a:pPr lvl="3"/>
             <a:r>
-              <a:rPr lang="en-US" smtClean="0"/>
+              <a:rPr lang="en-US"/>
               <a:t>Fourth level</a:t>
             </a:r>
           </a:p>
           <a:p>
             <a:pPr lvl="4"/>
             <a:r>
-              <a:rPr lang="en-US" smtClean="0"/>
+              <a:rPr lang="en-US"/>
               <a:t>Fifth level</a:t>
             </a:r>
-            <a:endParaRPr lang="en-US"/>
           </a:p>
         </p:txBody>
       </p:sp>
@@ -2730,7 +2744,7 @@
           <a:p>
             <a:fld id="{5BCAD085-E8A6-8845-BD4E-CB4CCA059FC4}" type="datetimeFigureOut">
               <a:rPr lang="en-US" smtClean="0"/>
-              <a:t>1/27/13</a:t>
+              <a:t>12/13/24</a:t>
             </a:fld>
             <a:endParaRPr lang="en-US"/>
           </a:p>
@@ -3089,7 +3103,7 @@
 </file>
 
 <file path=ppt/slides/slide1.xml><?xml version="1.0" encoding="utf-8"?>
-<p:sld xmlns:a="http://schemas.openxmlformats.org/drawingml/2006/main" xmlns:p="http://schemas.openxmlformats.org/presentationml/2006/main" xmlns:r="http://schemas.openxmlformats.org/officeDocument/2006/relationships">
+<p:sld xmlns:a="http://schemas.openxmlformats.org/drawingml/2006/main" xmlns:r="http://schemas.openxmlformats.org/officeDocument/2006/relationships" xmlns:p="http://schemas.openxmlformats.org/presentationml/2006/main">
   <p:cSld>
     <p:spTree>
       <p:nvGrpSpPr>
@@ -3097,7 +3111,14 @@
         <p:cNvGrpSpPr/>
         <p:nvPr/>
       </p:nvGrpSpPr>
-      <p:grpSpPr/>
+      <p:grpSpPr>
+        <a:xfrm>
+          <a:off x="0" y="0"/>
+          <a:ext cx="0" cy="0"/>
+          <a:chOff x="0" y="0"/>
+          <a:chExt cx="0" cy="0"/>
+        </a:xfrm>
+      </p:grpSpPr>
       <p:sp>
         <p:nvSpPr>
           <p:cNvPr id="2" name="Title 1"/>
@@ -3121,7 +3142,7 @@
               </a:defRPr>
             </a:pPr>
             <a:r>
-              <a:t>OpenAI Overview and Strategic Solutions</a:t>
+              <a:t>Enhanced Service Delivery</a:t>
             </a:r>
           </a:p>
         </p:txBody>
@@ -3140,27 +3161,25 @@
         <p:txBody>
           <a:bodyPr/>
           <a:lstStyle/>
-          <a:p/>
-          <a:p>
-            <a:pPr/>
-            <a:r>
-              <a:rPr sz="2000">
-                <a:solidFill>
-                  <a:srgbClr val="000000"/>
-                </a:solidFill>
-              </a:rPr>
-              <a:t>Company Overview</a:t>
-            </a:r>
-          </a:p>
-          <a:p>
-            <a:pPr lvl="1"/>
-            <a:r>
-              <a:rPr sz="2000">
-                <a:solidFill>
-                  <a:srgbClr val="000000"/>
-                </a:solidFill>
-              </a:rPr>
-              <a:t>OpenAI is a leader in AI, known for ethical development and innovations like ChatGPT.</a:t>
+          <a:p>
+            <a:r>
+              <a:rPr sz="2000">
+                <a:solidFill>
+                  <a:srgbClr val="000000"/>
+                </a:solidFill>
+              </a:rPr>
+              <a:t>OpenAI's AI Platform</a:t>
+            </a:r>
+          </a:p>
+          <a:p>
+            <a:pPr lvl="1"/>
+            <a:r>
+              <a:rPr sz="2000">
+                <a:solidFill>
+                  <a:srgbClr val="000000"/>
+                </a:solidFill>
+              </a:rPr>
+              <a:t>Significantly enhances service delivery through:</a:t>
             </a:r>
           </a:p>
           <a:p>
@@ -3171,7 +3190,7 @@
                   <a:srgbClr val="000000"/>
                 </a:solidFill>
               </a:rPr>
-              <a:t>Mission: Ensure AGI benefits all of humanity.</a:t>
+              <a:t>Cutting-edge technologies.</a:t>
             </a:r>
           </a:p>
           <a:p>
@@ -3182,7 +3201,7 @@
                   <a:srgbClr val="000000"/>
                 </a:solidFill>
               </a:rPr>
-              <a:t>Established by leading tech figures.</a:t>
+              <a:t>Streamlined operations.</a:t>
             </a:r>
           </a:p>
           <a:p>
@@ -3193,29 +3212,18 @@
                   <a:srgbClr val="000000"/>
                 </a:solidFill>
               </a:rPr>
-              <a:t>Competitive advantages include pioneering models like GPT-4 ([11]).</a:t>
-            </a:r>
-          </a:p>
-          <a:p>
-            <a:pPr/>
-            <a:r>
-              <a:rPr sz="2000">
-                <a:solidFill>
-                  <a:srgbClr val="000000"/>
-                </a:solidFill>
-              </a:rPr>
-              <a:t>Enhanced Service Delivery</a:t>
-            </a:r>
-          </a:p>
-          <a:p>
-            <a:pPr lvl="1"/>
-            <a:r>
-              <a:rPr sz="2000">
-                <a:solidFill>
-                  <a:srgbClr val="000000"/>
-                </a:solidFill>
-              </a:rPr>
-              <a:t>OpenAI's AI platform enhances service delivery through:</a:t>
+              <a:t>Optimized user experiences.</a:t>
+            </a:r>
+          </a:p>
+          <a:p>
+            <a:pPr lvl="1"/>
+            <a:r>
+              <a:rPr sz="2000">
+                <a:solidFill>
+                  <a:srgbClr val="000000"/>
+                </a:solidFill>
+              </a:rPr>
+              <a:t>Advanced capabilities include:</a:t>
             </a:r>
           </a:p>
           <a:p>
@@ -3226,7 +3234,7 @@
                   <a:srgbClr val="000000"/>
                 </a:solidFill>
               </a:rPr>
-              <a:t>Streamlined operations and user experiences.</a:t>
+              <a:t>Natural language processing.</a:t>
             </a:r>
           </a:p>
           <a:p>
@@ -3237,18 +3245,18 @@
                   <a:srgbClr val="000000"/>
                 </a:solidFill>
               </a:rPr>
-              <a:t>Integration of advanced technologies.</a:t>
-            </a:r>
-          </a:p>
-          <a:p>
-            <a:pPr lvl="2"/>
-            <a:r>
-              <a:rPr sz="2000">
-                <a:solidFill>
-                  <a:srgbClr val="000000"/>
-                </a:solidFill>
-              </a:rPr>
-              <a:t>Real-time insights and predictive analytics ([1]).</a:t>
+              <a:t>Machine learning algorithms.</a:t>
+            </a:r>
+          </a:p>
+          <a:p>
+            <a:pPr lvl="1"/>
+            <a:r>
+              <a:rPr sz="2000">
+                <a:solidFill>
+                  <a:srgbClr val="000000"/>
+                </a:solidFill>
+              </a:rPr>
+              <a:t>Provides real-time insights and predictive analytics for informed decision-making ([1]).</a:t>
             </a:r>
           </a:p>
         </p:txBody>
@@ -3262,7 +3270,7 @@
 </file>
 
 <file path=ppt/slides/slide10.xml><?xml version="1.0" encoding="utf-8"?>
-<p:sld xmlns:a="http://schemas.openxmlformats.org/drawingml/2006/main" xmlns:p="http://schemas.openxmlformats.org/presentationml/2006/main" xmlns:r="http://schemas.openxmlformats.org/officeDocument/2006/relationships">
+<p:sld xmlns:a="http://schemas.openxmlformats.org/drawingml/2006/main" xmlns:r="http://schemas.openxmlformats.org/officeDocument/2006/relationships" xmlns:p="http://schemas.openxmlformats.org/presentationml/2006/main">
   <p:cSld>
     <p:spTree>
       <p:nvGrpSpPr>
@@ -3270,7 +3278,14 @@
         <p:cNvGrpSpPr/>
         <p:nvPr/>
       </p:nvGrpSpPr>
-      <p:grpSpPr/>
+      <p:grpSpPr>
+        <a:xfrm>
+          <a:off x="0" y="0"/>
+          <a:ext cx="0" cy="0"/>
+          <a:chOff x="0" y="0"/>
+          <a:chExt cx="0" cy="0"/>
+        </a:xfrm>
+      </p:grpSpPr>
       <p:sp>
         <p:nvSpPr>
           <p:cNvPr id="2" name="Title 1"/>
@@ -3294,7 +3309,7 @@
               </a:defRPr>
             </a:pPr>
             <a:r>
-              <a:t>Strategic Opportunities and Challenges</a:t>
+              <a:t>Lowlights: Introduction</a:t>
             </a:r>
           </a:p>
         </p:txBody>
@@ -3313,27 +3328,36 @@
         <p:txBody>
           <a:bodyPr/>
           <a:lstStyle/>
-          <a:p/>
-          <a:p>
-            <a:pPr/>
-            <a:r>
-              <a:rPr sz="2000">
-                <a:solidFill>
-                  <a:srgbClr val="000000"/>
-                </a:solidFill>
-              </a:rPr>
-              <a:t>Opportunities for OpenAI</a:t>
-            </a:r>
-          </a:p>
-          <a:p>
-            <a:pPr lvl="1"/>
-            <a:r>
-              <a:rPr sz="2000">
-                <a:solidFill>
-                  <a:srgbClr val="000000"/>
-                </a:solidFill>
-              </a:rPr>
-              <a:t>Positioned to capitalize on growth through:</a:t>
+          <a:p>
+            <a:r>
+              <a:rPr sz="2000">
+                <a:solidFill>
+                  <a:srgbClr val="000000"/>
+                </a:solidFill>
+              </a:rPr>
+              <a:t>Overview of Challenges</a:t>
+            </a:r>
+          </a:p>
+          <a:p>
+            <a:pPr lvl="1"/>
+            <a:r>
+              <a:rPr sz="2000">
+                <a:solidFill>
+                  <a:srgbClr val="000000"/>
+                </a:solidFill>
+              </a:rPr>
+              <a:t>The 'Lowlights' section analyzes potential challenges and risks of OpenAI's business model.</a:t>
+            </a:r>
+          </a:p>
+          <a:p>
+            <a:pPr lvl="1"/>
+            <a:r>
+              <a:rPr sz="2000">
+                <a:solidFill>
+                  <a:srgbClr val="000000"/>
+                </a:solidFill>
+              </a:rPr>
+              <a:t>Focuses on uncertainties in:</a:t>
             </a:r>
           </a:p>
           <a:p>
@@ -3344,7 +3368,7 @@
                   <a:srgbClr val="000000"/>
                 </a:solidFill>
               </a:rPr>
-              <a:t>Strategic partnerships and advancing AI innovations.</a:t>
+              <a:t>Operational framework.</a:t>
             </a:r>
           </a:p>
           <a:p>
@@ -3355,29 +3379,7 @@
                   <a:srgbClr val="000000"/>
                 </a:solidFill>
               </a:rPr>
-              <a:t>Developing advanced models like ChatGPT.</a:t>
-            </a:r>
-          </a:p>
-          <a:p>
-            <a:pPr/>
-            <a:r>
-              <a:rPr sz="2000">
-                <a:solidFill>
-                  <a:srgbClr val="000000"/>
-                </a:solidFill>
-              </a:rPr>
-              <a:t>Challenges and Risks</a:t>
-            </a:r>
-          </a:p>
-          <a:p>
-            <a:pPr lvl="1"/>
-            <a:r>
-              <a:rPr sz="2000">
-                <a:solidFill>
-                  <a:srgbClr val="000000"/>
-                </a:solidFill>
-              </a:rPr>
-              <a:t>Challenges include economic and regulatory factors:</a:t>
+              <a:t>Competitive dynamics.</a:t>
             </a:r>
           </a:p>
           <a:p>
@@ -3388,7 +3390,7 @@
                   <a:srgbClr val="000000"/>
                 </a:solidFill>
               </a:rPr>
-              <a:t>Economic: job displacement and workforce reskilling.</a:t>
+              <a:t>Customer base.</a:t>
             </a:r>
           </a:p>
           <a:p>
@@ -3399,18 +3401,18 @@
                   <a:srgbClr val="000000"/>
                 </a:solidFill>
               </a:rPr>
-              <a:t>Regulatory scrutiny on fairness and accountability.</a:t>
-            </a:r>
-          </a:p>
-          <a:p>
-            <a:pPr lvl="1"/>
-            <a:r>
-              <a:rPr sz="2000">
-                <a:solidFill>
-                  <a:srgbClr val="000000"/>
-                </a:solidFill>
-              </a:rPr>
-              <a:t>Mitigation through ethical practices and regulatory engagement.</a:t>
+              <a:t>Market penetration efforts, especially in the U.S.</a:t>
+            </a:r>
+          </a:p>
+          <a:p>
+            <a:pPr lvl="1"/>
+            <a:r>
+              <a:rPr sz="2000">
+                <a:solidFill>
+                  <a:srgbClr val="000000"/>
+                </a:solidFill>
+              </a:rPr>
+              <a:t>Aims to provide a balanced perspective on risks and strategic mitigation opportunities.</a:t>
             </a:r>
           </a:p>
         </p:txBody>
@@ -3424,7 +3426,7 @@
 </file>
 
 <file path=ppt/slides/slide11.xml><?xml version="1.0" encoding="utf-8"?>
-<p:sld xmlns:a="http://schemas.openxmlformats.org/drawingml/2006/main" xmlns:p="http://schemas.openxmlformats.org/presentationml/2006/main" xmlns:r="http://schemas.openxmlformats.org/officeDocument/2006/relationships">
+<p:sld xmlns:a="http://schemas.openxmlformats.org/drawingml/2006/main" xmlns:r="http://schemas.openxmlformats.org/officeDocument/2006/relationships" xmlns:p="http://schemas.openxmlformats.org/presentationml/2006/main">
   <p:cSld>
     <p:spTree>
       <p:nvGrpSpPr>
@@ -3432,7 +3434,14 @@
         <p:cNvGrpSpPr/>
         <p:nvPr/>
       </p:nvGrpSpPr>
-      <p:grpSpPr/>
+      <p:grpSpPr>
+        <a:xfrm>
+          <a:off x="0" y="0"/>
+          <a:ext cx="0" cy="0"/>
+          <a:chOff x="0" y="0"/>
+          <a:chExt cx="0" cy="0"/>
+        </a:xfrm>
+      </p:grpSpPr>
       <p:sp>
         <p:nvSpPr>
           <p:cNvPr id="2" name="Title 1"/>
@@ -3456,7 +3465,7 @@
               </a:defRPr>
             </a:pPr>
             <a:r>
-              <a:t>Citations</a:t>
+              <a:t>Business Model and Competitive Landscape</a:t>
             </a:r>
           </a:p>
         </p:txBody>
@@ -3475,205 +3484,1473 @@
         <p:txBody>
           <a:bodyPr/>
           <a:lstStyle/>
-          <a:p/>
-          <a:p>
-            <a:r>
-              <a:rPr sz="1200">
-                <a:solidFill>
-                  <a:srgbClr val="000000"/>
-                </a:solidFill>
-              </a:rPr>
-              <a:t>[1] [1] [Neuron Solutions - Your AI consultant](https://www.neuronsolutions.com)</a:t>
-            </a:r>
-          </a:p>
-          <a:p>
-            <a:r>
-              <a:rPr sz="1200">
-                <a:solidFill>
-                  <a:srgbClr val="000000"/>
-                </a:solidFill>
-              </a:rPr>
-              <a:t>[2] [6] [OpenAI Partnership with Microsoft](https://www.openai.com/microsoft)</a:t>
-            </a:r>
-          </a:p>
-          <a:p>
-            <a:r>
-              <a:rPr sz="1200">
-                <a:solidFill>
-                  <a:srgbClr val="000000"/>
-                </a:solidFill>
-              </a:rPr>
-              <a:t>[3] [7] [OpenAI Market Expansion Strategy](https://www.openai.com/expansion)</a:t>
-            </a:r>
-          </a:p>
-          <a:p>
-            <a:r>
-              <a:rPr sz="1200">
-                <a:solidFill>
-                  <a:srgbClr val="000000"/>
-                </a:solidFill>
-              </a:rPr>
-              <a:t>[4] [11] [OpenAI GPT-4 Overview](https://www.openai.com/gpt-4)</a:t>
-            </a:r>
-          </a:p>
-          <a:p>
-            <a:r>
-              <a:rPr sz="1200">
-                <a:solidFill>
-                  <a:srgbClr val="000000"/>
-                </a:solidFill>
-              </a:rPr>
-              <a:t>[5] [1] [Neuron Solutions - Your AI consultant](https://www.neuronsolutions.com)</a:t>
-            </a:r>
-          </a:p>
-          <a:p>
-            <a:r>
-              <a:rPr sz="1200">
-                <a:solidFill>
-                  <a:srgbClr val="000000"/>
-                </a:solidFill>
-              </a:rPr>
-              <a:t>[6] [2] [Artificial Intelligence and the Future of Finance - Neuron Solutions](https://www.neuronsolutions.com/finance)</a:t>
-            </a:r>
-          </a:p>
-          <a:p>
-            <a:r>
-              <a:rPr sz="1200">
-                <a:solidFill>
-                  <a:srgbClr val="000000"/>
-                </a:solidFill>
-              </a:rPr>
-              <a:t>[7] [5] [OpenAI Market Positioning](https://www.openai.com/market-positioning)</a:t>
-            </a:r>
-          </a:p>
-          <a:p>
-            <a:r>
-              <a:rPr sz="1200">
-                <a:solidFill>
-                  <a:srgbClr val="000000"/>
-                </a:solidFill>
-              </a:rPr>
-              <a:t>[8] [8] [OpenAI Efficiency Strategies](https://www.openai.com/efficiency)</a:t>
-            </a:r>
-          </a:p>
-          <a:p>
-            <a:r>
-              <a:rPr sz="1200">
-                <a:solidFill>
-                  <a:srgbClr val="000000"/>
-                </a:solidFill>
-              </a:rPr>
-              <a:t>[9] [9] [OpenAI Risk Management](https://www.openai.com/risk-management)</a:t>
-            </a:r>
-          </a:p>
-          <a:p>
-            <a:r>
-              <a:rPr sz="1200">
-                <a:solidFill>
-                  <a:srgbClr val="000000"/>
-                </a:solidFill>
-              </a:rPr>
-              <a:t>[10] [1] Azure OpenAI Service Overview - https://learn.microsoft.com/en-us/azure/ai-services/openai/overview</a:t>
-            </a:r>
-          </a:p>
-          <a:p>
-            <a:r>
-              <a:rPr sz="1200">
-                <a:solidFill>
-                  <a:srgbClr val="000000"/>
-                </a:solidFill>
-              </a:rPr>
-              <a:t>[11] [2] Azure OpenAI Service - 10</a:t>
-            </a:r>
-          </a:p>
-          <a:p>
-            <a:r>
-              <a:rPr sz="1200">
-                <a:solidFill>
-                  <a:srgbClr val="000000"/>
-                </a:solidFill>
-              </a:rPr>
-              <a:t>[12] [3] Azure OpenAI Service FAQ - https://learn.microsoft.com/en-us/azure/ai-services/openai/faq</a:t>
-            </a:r>
-          </a:p>
-          <a:p>
-            <a:r>
-              <a:rPr sz="1200">
-                <a:solidFill>
-                  <a:srgbClr val="000000"/>
-                </a:solidFill>
-              </a:rPr>
-              <a:t>[13] [4] General Availability of Azure OpenAI Service - https://azure.microsoft.com/en-us/blog/general-availability-of-azure-openai-service-expands-access-to-large-advanced-ai-models-with-added-enterprise-benefits/</a:t>
-            </a:r>
-          </a:p>
-          <a:p>
-            <a:r>
-              <a:rPr sz="1200">
-                <a:solidFill>
-                  <a:srgbClr val="000000"/>
-                </a:solidFill>
-              </a:rPr>
-              <a:t>[14] [5] The Future of AI: Applying O1 Models to Business Data - https://techcommunity.microsoft.com/t5/ai-ai-platform-blog/the-future-of-ai-oh-one-applying-o1-models-to-business-data/ba-p/4266799</a:t>
-            </a:r>
-          </a:p>
-          <a:p>
-            <a:r>
-              <a:rPr sz="1200">
-                <a:solidFill>
-                  <a:srgbClr val="000000"/>
-                </a:solidFill>
-              </a:rPr>
-              <a:t>[15] [6] OpenAI's Strategic Masterclass - OpenAI’s Strategic Masterclass</a:t>
-            </a:r>
-          </a:p>
-          <a:p>
-            <a:r>
-              <a:rPr sz="1200">
-                <a:solidFill>
-                  <a:srgbClr val="000000"/>
-                </a:solidFill>
-              </a:rPr>
-              <a:t>[16] [7] OpenAI's Partnership with Apple - https://www.reworked.co/digital-workplace/openais-partnership-with-apple-is-about-reach-and-path-to-profitability/</a:t>
-            </a:r>
-          </a:p>
-          <a:p>
-            <a:r>
-              <a:rPr sz="1200">
-                <a:solidFill>
-                  <a:srgbClr val="000000"/>
-                </a:solidFill>
-              </a:rPr>
-              <a:t>[17] [8] OpenAI's Approach to AI and National Security - https://openai.com/global-affairs/openais-approach-to-ai-and-national-security/</a:t>
-            </a:r>
-          </a:p>
-          <a:p>
-            <a:r>
-              <a:rPr sz="1200">
-                <a:solidFill>
-                  <a:srgbClr val="000000"/>
-                </a:solidFill>
-              </a:rPr>
-              <a:t>[18] [9] OpenAI Takes on Google - https://www.business-standard.com/technology/tech-news/openai-takes-on-google-chatgpt-now-searches-the-web-for-answers-124110100177_1.html</a:t>
-            </a:r>
-          </a:p>
-          <a:p>
-            <a:r>
-              <a:rPr sz="1200">
-                <a:solidFill>
-                  <a:srgbClr val="000000"/>
-                </a:solidFill>
-              </a:rPr>
-              <a:t>[19] [11] OpenAI's Commitment to Ethical AI - https://www.openai.com/ethics</a:t>
-            </a:r>
-          </a:p>
-          <a:p>
-            <a:r>
-              <a:rPr sz="1200">
-                <a:solidFill>
-                  <a:srgbClr val="000000"/>
-                </a:solidFill>
-              </a:rPr>
-              <a:t>[20] [12] OpenAI's Competitive Edge - https://www.openai.com/competitive-edge</a:t>
+          <a:p>
+            <a:r>
+              <a:rPr sz="2000">
+                <a:solidFill>
+                  <a:srgbClr val="000000"/>
+                </a:solidFill>
+              </a:rPr>
+              <a:t>Business Model Challenges</a:t>
+            </a:r>
+          </a:p>
+          <a:p>
+            <a:pPr lvl="1"/>
+            <a:r>
+              <a:rPr sz="2000">
+                <a:solidFill>
+                  <a:srgbClr val="000000"/>
+                </a:solidFill>
+              </a:rPr>
+              <a:t>OpenAI's transition from nonprofit to for-profit introduces complexities.</a:t>
+            </a:r>
+          </a:p>
+          <a:p>
+            <a:pPr lvl="1"/>
+            <a:r>
+              <a:rPr sz="2000">
+                <a:solidFill>
+                  <a:srgbClr val="000000"/>
+                </a:solidFill>
+              </a:rPr>
+              <a:t>Ethical debates and scrutiny affect stakeholder trust.</a:t>
+            </a:r>
+          </a:p>
+          <a:p>
+            <a:pPr lvl="1"/>
+            <a:r>
+              <a:rPr sz="2000">
+                <a:solidFill>
+                  <a:srgbClr val="000000"/>
+                </a:solidFill>
+              </a:rPr>
+              <a:t>High-cost infrastructure increases financial vulnerabilities.</a:t>
+            </a:r>
+          </a:p>
+          <a:p>
+            <a:pPr lvl="1"/>
+            <a:r>
+              <a:rPr sz="2000">
+                <a:solidFill>
+                  <a:srgbClr val="000000"/>
+                </a:solidFill>
+              </a:rPr>
+              <a:t>Projected operational costs may rise to $7 billion by 2024 ([15]).</a:t>
+            </a:r>
+          </a:p>
+          <a:p>
+            <a:r>
+              <a:rPr sz="2000">
+                <a:solidFill>
+                  <a:srgbClr val="000000"/>
+                </a:solidFill>
+              </a:rPr>
+              <a:t>Sustainability of the model is uncertain without diversified revenue streams.Competitive Landscape</a:t>
+            </a:r>
+          </a:p>
+          <a:p>
+            <a:pPr lvl="1"/>
+            <a:r>
+              <a:rPr sz="2000">
+                <a:solidFill>
+                  <a:srgbClr val="000000"/>
+                </a:solidFill>
+              </a:rPr>
+              <a:t>Intense competition from Meta and xAI in AI technology.</a:t>
+            </a:r>
+          </a:p>
+          <a:p>
+            <a:pPr lvl="1"/>
+            <a:r>
+              <a:rPr sz="2000">
+                <a:solidFill>
+                  <a:srgbClr val="000000"/>
+                </a:solidFill>
+              </a:rPr>
+              <a:t>Meta integrates AI into its ecosystem; xAI focuses on ethical AI.</a:t>
+            </a:r>
+          </a:p>
+          <a:p>
+            <a:pPr lvl="1"/>
+            <a:r>
+              <a:rPr sz="2000">
+                <a:solidFill>
+                  <a:srgbClr val="000000"/>
+                </a:solidFill>
+              </a:rPr>
+              <a:t>OpenAI can differentiate through unique capabilities and strategic alliances.</a:t>
+            </a:r>
+          </a:p>
+          <a:p>
+            <a:pPr lvl="1"/>
+            <a:r>
+              <a:rPr sz="2000">
+                <a:solidFill>
+                  <a:srgbClr val="000000"/>
+                </a:solidFill>
+              </a:rPr>
+              <a:t>Maintaining competitive advantage requires innovation and adaptation ([14]).</a:t>
+            </a:r>
+          </a:p>
+        </p:txBody>
+      </p:sp>
+    </p:spTree>
+  </p:cSld>
+  <p:clrMapOvr>
+    <a:masterClrMapping/>
+  </p:clrMapOvr>
+</p:sld>
+</file>
+
+<file path=ppt/slides/slide12.xml><?xml version="1.0" encoding="utf-8"?>
+<p:sld xmlns:a="http://schemas.openxmlformats.org/drawingml/2006/main" xmlns:r="http://schemas.openxmlformats.org/officeDocument/2006/relationships" xmlns:p="http://schemas.openxmlformats.org/presentationml/2006/main">
+  <p:cSld>
+    <p:spTree>
+      <p:nvGrpSpPr>
+        <p:cNvPr id="1" name=""/>
+        <p:cNvGrpSpPr/>
+        <p:nvPr/>
+      </p:nvGrpSpPr>
+      <p:grpSpPr>
+        <a:xfrm>
+          <a:off x="0" y="0"/>
+          <a:ext cx="0" cy="0"/>
+          <a:chOff x="0" y="0"/>
+          <a:chExt cx="0" cy="0"/>
+        </a:xfrm>
+      </p:grpSpPr>
+      <p:sp>
+        <p:nvSpPr>
+          <p:cNvPr id="2" name="Title 1"/>
+          <p:cNvSpPr>
+            <a:spLocks noGrp="1"/>
+          </p:cNvSpPr>
+          <p:nvPr>
+            <p:ph type="title"/>
+          </p:nvPr>
+        </p:nvSpPr>
+        <p:spPr/>
+        <p:txBody>
+          <a:bodyPr/>
+          <a:lstStyle/>
+          <a:p>
+            <a:pPr>
+              <a:defRPr sz="3600">
+                <a:solidFill>
+                  <a:srgbClr val="00008B"/>
+                </a:solidFill>
+              </a:defRPr>
+            </a:pPr>
+            <a:r>
+              <a:t>Customer Base, Market Penetration, and Conclusion</a:t>
+            </a:r>
+          </a:p>
+        </p:txBody>
+      </p:sp>
+      <p:sp>
+        <p:nvSpPr>
+          <p:cNvPr id="3" name="Content Placeholder 2"/>
+          <p:cNvSpPr>
+            <a:spLocks noGrp="1"/>
+          </p:cNvSpPr>
+          <p:nvPr>
+            <p:ph idx="1"/>
+          </p:nvPr>
+        </p:nvSpPr>
+        <p:spPr/>
+        <p:txBody>
+          <a:bodyPr/>
+          <a:lstStyle/>
+          <a:p>
+            <a:r>
+              <a:rPr sz="2000">
+                <a:solidFill>
+                  <a:srgbClr val="000000"/>
+                </a:solidFill>
+              </a:rPr>
+              <a:t>Customer Base and Market Penetration</a:t>
+            </a:r>
+          </a:p>
+          <a:p>
+            <a:pPr lvl="1"/>
+            <a:r>
+              <a:rPr sz="2000">
+                <a:solidFill>
+                  <a:srgbClr val="000000"/>
+                </a:solidFill>
+              </a:rPr>
+              <a:t>Limitations in U.S. market due to lack of local brand partnerships.</a:t>
+            </a:r>
+          </a:p>
+          <a:p>
+            <a:pPr lvl="1"/>
+            <a:r>
+              <a:rPr sz="2000">
+                <a:solidFill>
+                  <a:srgbClr val="000000"/>
+                </a:solidFill>
+              </a:rPr>
+              <a:t>Growth potential may be hindered; revenue targets from $1 billion (2023) to $100 billion (2029) ([16]).</a:t>
+            </a:r>
+          </a:p>
+          <a:p>
+            <a:r>
+              <a:rPr sz="2000">
+                <a:solidFill>
+                  <a:srgbClr val="000000"/>
+                </a:solidFill>
+              </a:rPr>
+              <a:t>Need for targeted strategies to expand customer base through collaborations.Conclusion</a:t>
+            </a:r>
+          </a:p>
+          <a:p>
+            <a:pPr lvl="1"/>
+            <a:r>
+              <a:rPr sz="2000">
+                <a:solidFill>
+                  <a:srgbClr val="000000"/>
+                </a:solidFill>
+              </a:rPr>
+              <a:t>OpenAI faces challenges in business model, competition, and market penetration.</a:t>
+            </a:r>
+          </a:p>
+          <a:p>
+            <a:pPr lvl="1"/>
+            <a:r>
+              <a:rPr sz="2000">
+                <a:solidFill>
+                  <a:srgbClr val="000000"/>
+                </a:solidFill>
+              </a:rPr>
+              <a:t>Strategic addressing of challenges can mitigate risks.</a:t>
+            </a:r>
+          </a:p>
+          <a:p>
+            <a:pPr lvl="1"/>
+            <a:r>
+              <a:rPr sz="2000">
+                <a:solidFill>
+                  <a:srgbClr val="000000"/>
+                </a:solidFill>
+              </a:rPr>
+              <a:t>Potential for growth through innovation, partnerships, and diversification.</a:t>
+            </a:r>
+          </a:p>
+        </p:txBody>
+      </p:sp>
+    </p:spTree>
+  </p:cSld>
+  <p:clrMapOvr>
+    <a:masterClrMapping/>
+  </p:clrMapOvr>
+</p:sld>
+</file>
+
+<file path=ppt/slides/slide13.xml><?xml version="1.0" encoding="utf-8"?>
+<p:sld xmlns:a="http://schemas.openxmlformats.org/drawingml/2006/main" xmlns:r="http://schemas.openxmlformats.org/officeDocument/2006/relationships" xmlns:p="http://schemas.openxmlformats.org/presentationml/2006/main">
+  <p:cSld>
+    <p:spTree>
+      <p:nvGrpSpPr>
+        <p:cNvPr id="1" name=""/>
+        <p:cNvGrpSpPr/>
+        <p:nvPr/>
+      </p:nvGrpSpPr>
+      <p:grpSpPr>
+        <a:xfrm>
+          <a:off x="0" y="0"/>
+          <a:ext cx="0" cy="0"/>
+          <a:chOff x="0" y="0"/>
+          <a:chExt cx="0" cy="0"/>
+        </a:xfrm>
+      </p:grpSpPr>
+      <p:sp>
+        <p:nvSpPr>
+          <p:cNvPr id="2" name="Title 1"/>
+          <p:cNvSpPr>
+            <a:spLocks noGrp="1"/>
+          </p:cNvSpPr>
+          <p:nvPr>
+            <p:ph type="title"/>
+          </p:nvPr>
+        </p:nvSpPr>
+        <p:spPr/>
+        <p:txBody>
+          <a:bodyPr/>
+          <a:lstStyle/>
+          <a:p>
+            <a:pPr>
+              <a:defRPr sz="3600">
+                <a:solidFill>
+                  <a:srgbClr val="00008B"/>
+                </a:solidFill>
+              </a:defRPr>
+            </a:pPr>
+            <a:r>
+              <a:t>Market Landscape Overview</a:t>
+            </a:r>
+          </a:p>
+        </p:txBody>
+      </p:sp>
+      <p:sp>
+        <p:nvSpPr>
+          <p:cNvPr id="3" name="Content Placeholder 2"/>
+          <p:cNvSpPr>
+            <a:spLocks noGrp="1"/>
+          </p:cNvSpPr>
+          <p:nvPr>
+            <p:ph idx="1"/>
+          </p:nvPr>
+        </p:nvSpPr>
+        <p:spPr/>
+        <p:txBody>
+          <a:bodyPr/>
+          <a:lstStyle/>
+          <a:p>
+            <a:r>
+              <a:rPr sz="2000">
+                <a:solidFill>
+                  <a:srgbClr val="000000"/>
+                </a:solidFill>
+              </a:rPr>
+              <a:t>AI Market Growth</a:t>
+            </a:r>
+          </a:p>
+          <a:p>
+            <a:pPr lvl="1"/>
+            <a:r>
+              <a:rPr sz="2000">
+                <a:solidFill>
+                  <a:srgbClr val="000000"/>
+                </a:solidFill>
+              </a:rPr>
+              <a:t>The U.S. AI market projected to grow from $42 billion in 2023 to $219 billion by 2030.</a:t>
+            </a:r>
+          </a:p>
+          <a:p>
+            <a:pPr lvl="1"/>
+            <a:r>
+              <a:rPr sz="2000">
+                <a:solidFill>
+                  <a:srgbClr val="000000"/>
+                </a:solidFill>
+              </a:rPr>
+              <a:t>CAGR of 25.6% driven by advancements in:</a:t>
+            </a:r>
+          </a:p>
+          <a:p>
+            <a:pPr lvl="2"/>
+            <a:r>
+              <a:rPr sz="2000">
+                <a:solidFill>
+                  <a:srgbClr val="000000"/>
+                </a:solidFill>
+              </a:rPr>
+              <a:t>Deep learning</a:t>
+            </a:r>
+          </a:p>
+          <a:p>
+            <a:pPr lvl="2"/>
+            <a:r>
+              <a:rPr sz="2000">
+                <a:solidFill>
+                  <a:srgbClr val="000000"/>
+                </a:solidFill>
+              </a:rPr>
+              <a:t>Machine learning</a:t>
+            </a:r>
+          </a:p>
+          <a:p>
+            <a:pPr lvl="2"/>
+            <a:r>
+              <a:rPr sz="2000">
+                <a:solidFill>
+                  <a:srgbClr val="000000"/>
+                </a:solidFill>
+              </a:rPr>
+              <a:t>Natural language processing</a:t>
+            </a:r>
+          </a:p>
+          <a:p>
+            <a:pPr lvl="1"/>
+            <a:r>
+              <a:rPr sz="2000">
+                <a:solidFill>
+                  <a:srgbClr val="000000"/>
+                </a:solidFill>
+              </a:rPr>
+              <a:t>Integration into sectors like healthcare, automotive, and finance ([17], [18], [19]).</a:t>
+            </a:r>
+          </a:p>
+        </p:txBody>
+      </p:sp>
+    </p:spTree>
+  </p:cSld>
+  <p:clrMapOvr>
+    <a:masterClrMapping/>
+  </p:clrMapOvr>
+</p:sld>
+</file>
+
+<file path=ppt/slides/slide14.xml><?xml version="1.0" encoding="utf-8"?>
+<p:sld xmlns:a="http://schemas.openxmlformats.org/drawingml/2006/main" xmlns:r="http://schemas.openxmlformats.org/officeDocument/2006/relationships" xmlns:p="http://schemas.openxmlformats.org/presentationml/2006/main">
+  <p:cSld>
+    <p:spTree>
+      <p:nvGrpSpPr>
+        <p:cNvPr id="1" name=""/>
+        <p:cNvGrpSpPr/>
+        <p:nvPr/>
+      </p:nvGrpSpPr>
+      <p:grpSpPr>
+        <a:xfrm>
+          <a:off x="0" y="0"/>
+          <a:ext cx="0" cy="0"/>
+          <a:chOff x="0" y="0"/>
+          <a:chExt cx="0" cy="0"/>
+        </a:xfrm>
+      </p:grpSpPr>
+      <p:sp>
+        <p:nvSpPr>
+          <p:cNvPr id="2" name="Title 1"/>
+          <p:cNvSpPr>
+            <a:spLocks noGrp="1"/>
+          </p:cNvSpPr>
+          <p:nvPr>
+            <p:ph type="title"/>
+          </p:nvPr>
+        </p:nvSpPr>
+        <p:spPr/>
+        <p:txBody>
+          <a:bodyPr/>
+          <a:lstStyle/>
+          <a:p>
+            <a:pPr>
+              <a:defRPr sz="3600">
+                <a:solidFill>
+                  <a:srgbClr val="00008B"/>
+                </a:solidFill>
+              </a:defRPr>
+            </a:pPr>
+            <a:r>
+              <a:t>Market Dynamics and Competitive Landscape</a:t>
+            </a:r>
+          </a:p>
+        </p:txBody>
+      </p:sp>
+      <p:sp>
+        <p:nvSpPr>
+          <p:cNvPr id="3" name="Content Placeholder 2"/>
+          <p:cNvSpPr>
+            <a:spLocks noGrp="1"/>
+          </p:cNvSpPr>
+          <p:nvPr>
+            <p:ph idx="1"/>
+          </p:nvPr>
+        </p:nvSpPr>
+        <p:spPr/>
+        <p:txBody>
+          <a:bodyPr/>
+          <a:lstStyle/>
+          <a:p>
+            <a:r>
+              <a:rPr sz="2000">
+                <a:solidFill>
+                  <a:srgbClr val="000000"/>
+                </a:solidFill>
+              </a:rPr>
+              <a:t>Demand Drivers</a:t>
+            </a:r>
+          </a:p>
+          <a:p>
+            <a:pPr lvl="1"/>
+            <a:r>
+              <a:rPr sz="2000">
+                <a:solidFill>
+                  <a:srgbClr val="000000"/>
+                </a:solidFill>
+              </a:rPr>
+              <a:t>Key factors driving AI adoption:</a:t>
+            </a:r>
+          </a:p>
+          <a:p>
+            <a:pPr lvl="2"/>
+            <a:r>
+              <a:rPr sz="2000">
+                <a:solidFill>
+                  <a:srgbClr val="000000"/>
+                </a:solidFill>
+              </a:rPr>
+              <a:t>Enhanced productivity</a:t>
+            </a:r>
+          </a:p>
+          <a:p>
+            <a:pPr lvl="2"/>
+            <a:r>
+              <a:rPr sz="2000">
+                <a:solidFill>
+                  <a:srgbClr val="000000"/>
+                </a:solidFill>
+              </a:rPr>
+              <a:t>Personalized consumer experiences</a:t>
+            </a:r>
+          </a:p>
+          <a:p>
+            <a:r>
+              <a:rPr sz="2000">
+                <a:solidFill>
+                  <a:srgbClr val="000000"/>
+                </a:solidFill>
+              </a:rPr>
+              <a:t>U.S. as a hub for AI activity supported by technology and skilled workforce ([20]).Competitive Environment</a:t>
+            </a:r>
+          </a:p>
+          <a:p>
+            <a:pPr lvl="1"/>
+            <a:r>
+              <a:rPr sz="2000">
+                <a:solidFill>
+                  <a:srgbClr val="000000"/>
+                </a:solidFill>
+              </a:rPr>
+              <a:t>Dominated by major players like Google, Microsoft, and IBM.</a:t>
+            </a:r>
+          </a:p>
+          <a:p>
+            <a:pPr lvl="1"/>
+            <a:r>
+              <a:rPr sz="2000">
+                <a:solidFill>
+                  <a:srgbClr val="000000"/>
+                </a:solidFill>
+              </a:rPr>
+              <a:t>Challenges include:</a:t>
+            </a:r>
+          </a:p>
+          <a:p>
+            <a:pPr lvl="2"/>
+            <a:r>
+              <a:rPr sz="2000">
+                <a:solidFill>
+                  <a:srgbClr val="000000"/>
+                </a:solidFill>
+              </a:rPr>
+              <a:t>Rapid adaptation to advancements</a:t>
+            </a:r>
+          </a:p>
+          <a:p>
+            <a:pPr lvl="2"/>
+            <a:r>
+              <a:rPr sz="2000">
+                <a:solidFill>
+                  <a:srgbClr val="000000"/>
+                </a:solidFill>
+              </a:rPr>
+              <a:t>Ethical concerns in AI deployment</a:t>
+            </a:r>
+          </a:p>
+          <a:p>
+            <a:pPr lvl="1"/>
+            <a:r>
+              <a:rPr sz="2000">
+                <a:solidFill>
+                  <a:srgbClr val="000000"/>
+                </a:solidFill>
+              </a:rPr>
+              <a:t>Emerging companies like OpenAI focus on ethical practices ([21]).</a:t>
+            </a:r>
+          </a:p>
+        </p:txBody>
+      </p:sp>
+    </p:spTree>
+  </p:cSld>
+  <p:clrMapOvr>
+    <a:masterClrMapping/>
+  </p:clrMapOvr>
+</p:sld>
+</file>
+
+<file path=ppt/slides/slide15.xml><?xml version="1.0" encoding="utf-8"?>
+<p:sld xmlns:a="http://schemas.openxmlformats.org/drawingml/2006/main" xmlns:r="http://schemas.openxmlformats.org/officeDocument/2006/relationships" xmlns:p="http://schemas.openxmlformats.org/presentationml/2006/main">
+  <p:cSld>
+    <p:spTree>
+      <p:nvGrpSpPr>
+        <p:cNvPr id="1" name=""/>
+        <p:cNvGrpSpPr/>
+        <p:nvPr/>
+      </p:nvGrpSpPr>
+      <p:grpSpPr>
+        <a:xfrm>
+          <a:off x="0" y="0"/>
+          <a:ext cx="0" cy="0"/>
+          <a:chOff x="0" y="0"/>
+          <a:chExt cx="0" cy="0"/>
+        </a:xfrm>
+      </p:grpSpPr>
+      <p:sp>
+        <p:nvSpPr>
+          <p:cNvPr id="2" name="Title 1"/>
+          <p:cNvSpPr>
+            <a:spLocks noGrp="1"/>
+          </p:cNvSpPr>
+          <p:nvPr>
+            <p:ph type="title"/>
+          </p:nvPr>
+        </p:nvSpPr>
+        <p:spPr/>
+        <p:txBody>
+          <a:bodyPr/>
+          <a:lstStyle/>
+          <a:p>
+            <a:pPr>
+              <a:defRPr sz="3600">
+                <a:solidFill>
+                  <a:srgbClr val="00008B"/>
+                </a:solidFill>
+              </a:defRPr>
+            </a:pPr>
+            <a:r>
+              <a:t>Strategic Opportunities and Challenges</a:t>
+            </a:r>
+          </a:p>
+        </p:txBody>
+      </p:sp>
+      <p:sp>
+        <p:nvSpPr>
+          <p:cNvPr id="3" name="Content Placeholder 2"/>
+          <p:cNvSpPr>
+            <a:spLocks noGrp="1"/>
+          </p:cNvSpPr>
+          <p:nvPr>
+            <p:ph idx="1"/>
+          </p:nvPr>
+        </p:nvSpPr>
+        <p:spPr/>
+        <p:txBody>
+          <a:bodyPr/>
+          <a:lstStyle/>
+          <a:p>
+            <a:r>
+              <a:rPr sz="2000">
+                <a:solidFill>
+                  <a:srgbClr val="000000"/>
+                </a:solidFill>
+              </a:rPr>
+              <a:t>OpenAI's Positioning</a:t>
+            </a:r>
+          </a:p>
+          <a:p>
+            <a:pPr lvl="1"/>
+            <a:r>
+              <a:rPr sz="2000">
+                <a:solidFill>
+                  <a:srgbClr val="000000"/>
+                </a:solidFill>
+              </a:rPr>
+              <a:t>OpenAI capitalizes on growth through:</a:t>
+            </a:r>
+          </a:p>
+          <a:p>
+            <a:pPr lvl="2"/>
+            <a:r>
+              <a:rPr sz="2000">
+                <a:solidFill>
+                  <a:srgbClr val="000000"/>
+                </a:solidFill>
+              </a:rPr>
+              <a:t>Strategic partnerships</a:t>
+            </a:r>
+          </a:p>
+          <a:p>
+            <a:pPr lvl="2"/>
+            <a:r>
+              <a:rPr sz="2000">
+                <a:solidFill>
+                  <a:srgbClr val="000000"/>
+                </a:solidFill>
+              </a:rPr>
+              <a:t>Advancing AI innovations</a:t>
+            </a:r>
+          </a:p>
+          <a:p>
+            <a:r>
+              <a:rPr sz="2000">
+                <a:solidFill>
+                  <a:srgbClr val="000000"/>
+                </a:solidFill>
+              </a:rPr>
+              <a:t>Focus on developing models like ChatGPT to meet market demands.Challenges and Risks</a:t>
+            </a:r>
+          </a:p>
+          <a:p>
+            <a:pPr lvl="1"/>
+            <a:r>
+              <a:rPr sz="2000">
+                <a:solidFill>
+                  <a:srgbClr val="000000"/>
+                </a:solidFill>
+              </a:rPr>
+              <a:t>Economic challenges include job displacement and reskilling.</a:t>
+            </a:r>
+          </a:p>
+          <a:p>
+            <a:pPr lvl="1"/>
+            <a:r>
+              <a:rPr sz="2000">
+                <a:solidFill>
+                  <a:srgbClr val="000000"/>
+                </a:solidFill>
+              </a:rPr>
+              <a:t>Regulatory scrutiny emphasizes fairness and accountability.</a:t>
+            </a:r>
+          </a:p>
+          <a:p>
+            <a:pPr lvl="1"/>
+            <a:r>
+              <a:rPr sz="2000">
+                <a:solidFill>
+                  <a:srgbClr val="000000"/>
+                </a:solidFill>
+              </a:rPr>
+              <a:t>OpenAI's approach includes ethical practices and proactive dialogue.</a:t>
+            </a:r>
+          </a:p>
+        </p:txBody>
+      </p:sp>
+    </p:spTree>
+  </p:cSld>
+  <p:clrMapOvr>
+    <a:masterClrMapping/>
+  </p:clrMapOvr>
+</p:sld>
+</file>
+
+<file path=ppt/slides/slide16.xml><?xml version="1.0" encoding="utf-8"?>
+<p:sld xmlns:a="http://schemas.openxmlformats.org/drawingml/2006/main" xmlns:r="http://schemas.openxmlformats.org/officeDocument/2006/relationships" xmlns:p="http://schemas.openxmlformats.org/presentationml/2006/main">
+  <p:cSld>
+    <p:spTree>
+      <p:nvGrpSpPr>
+        <p:cNvPr id="1" name=""/>
+        <p:cNvGrpSpPr/>
+        <p:nvPr/>
+      </p:nvGrpSpPr>
+      <p:grpSpPr>
+        <a:xfrm>
+          <a:off x="0" y="0"/>
+          <a:ext cx="0" cy="0"/>
+          <a:chOff x="0" y="0"/>
+          <a:chExt cx="0" cy="0"/>
+        </a:xfrm>
+      </p:grpSpPr>
+      <p:sp>
+        <p:nvSpPr>
+          <p:cNvPr id="2" name="Title 1"/>
+          <p:cNvSpPr>
+            <a:spLocks noGrp="1"/>
+          </p:cNvSpPr>
+          <p:nvPr>
+            <p:ph type="title"/>
+          </p:nvPr>
+        </p:nvSpPr>
+        <p:spPr/>
+        <p:txBody>
+          <a:bodyPr/>
+          <a:lstStyle/>
+          <a:p>
+            <a:pPr>
+              <a:defRPr sz="3600">
+                <a:solidFill>
+                  <a:srgbClr val="00008B"/>
+                </a:solidFill>
+              </a:defRPr>
+            </a:pPr>
+            <a:r>
+              <a:t>OpenAI Leadership Team</a:t>
+            </a:r>
+          </a:p>
+        </p:txBody>
+      </p:sp>
+      <p:sp>
+        <p:nvSpPr>
+          <p:cNvPr id="3" name="Content Placeholder 2"/>
+          <p:cNvSpPr>
+            <a:spLocks noGrp="1"/>
+          </p:cNvSpPr>
+          <p:nvPr>
+            <p:ph idx="1"/>
+          </p:nvPr>
+        </p:nvSpPr>
+        <p:spPr/>
+        <p:txBody>
+          <a:bodyPr/>
+          <a:lstStyle/>
+          <a:p>
+            <a:r>
+              <a:rPr sz="2000">
+                <a:solidFill>
+                  <a:srgbClr val="000000"/>
+                </a:solidFill>
+              </a:rPr>
+              <a:t>Introduction</a:t>
+            </a:r>
+          </a:p>
+          <a:p>
+            <a:pPr lvl="1"/>
+            <a:r>
+              <a:rPr sz="2000">
+                <a:solidFill>
+                  <a:srgbClr val="000000"/>
+                </a:solidFill>
+              </a:rPr>
+              <a:t>The leadership team at OpenAI is crucial for strategic vision and operational success.</a:t>
+            </a:r>
+          </a:p>
+          <a:p>
+            <a:pPr lvl="1"/>
+            <a:r>
+              <a:rPr sz="2000">
+                <a:solidFill>
+                  <a:srgbClr val="000000"/>
+                </a:solidFill>
+              </a:rPr>
+              <a:t>Comprises experts in AI, technology, and business management.</a:t>
+            </a:r>
+          </a:p>
+          <a:p>
+            <a:pPr lvl="1"/>
+            <a:r>
+              <a:rPr sz="2000">
+                <a:solidFill>
+                  <a:srgbClr val="000000"/>
+                </a:solidFill>
+              </a:rPr>
+              <a:t>Steers OpenAI towards its mission of ensuring AI benefits all of humanity.</a:t>
+            </a:r>
+          </a:p>
+          <a:p>
+            <a:r>
+              <a:rPr sz="2000">
+                <a:solidFill>
+                  <a:srgbClr val="000000"/>
+                </a:solidFill>
+              </a:rPr>
+              <a:t>Collective experience is pivotal in navigating the evolving AI landscape.Key Team Members</a:t>
+            </a:r>
+          </a:p>
+          <a:p>
+            <a:pPr lvl="1"/>
+            <a:r>
+              <a:rPr sz="2000">
+                <a:solidFill>
+                  <a:srgbClr val="000000"/>
+                </a:solidFill>
+              </a:rPr>
+              <a:t>Co-Founder and CEO: Sam Altman</a:t>
+            </a:r>
+          </a:p>
+          <a:p>
+            <a:pPr lvl="2"/>
+            <a:r>
+              <a:rPr sz="2000">
+                <a:solidFill>
+                  <a:srgbClr val="000000"/>
+                </a:solidFill>
+              </a:rPr>
+              <a:t>Brings extensive experience from technology sector.</a:t>
+            </a:r>
+          </a:p>
+          <a:p>
+            <a:pPr lvl="2"/>
+            <a:r>
+              <a:rPr sz="2000">
+                <a:solidFill>
+                  <a:srgbClr val="000000"/>
+                </a:solidFill>
+              </a:rPr>
+              <a:t>Driving force behind OpenAI's innovative AI development.</a:t>
+            </a:r>
+          </a:p>
+          <a:p>
+            <a:pPr lvl="2"/>
+            <a:r>
+              <a:rPr sz="2000">
+                <a:solidFill>
+                  <a:srgbClr val="000000"/>
+                </a:solidFill>
+              </a:rPr>
+              <a:t>Fosters a culture of research excellence and ethical AI deployment.</a:t>
+            </a:r>
+          </a:p>
+          <a:p>
+            <a:pPr lvl="1"/>
+            <a:r>
+              <a:rPr sz="2000">
+                <a:solidFill>
+                  <a:srgbClr val="000000"/>
+                </a:solidFill>
+              </a:rPr>
+              <a:t>Co-Founder and CFO: Greg Brockman</a:t>
+            </a:r>
+          </a:p>
+          <a:p>
+            <a:pPr lvl="2"/>
+            <a:r>
+              <a:rPr sz="2000">
+                <a:solidFill>
+                  <a:srgbClr val="000000"/>
+                </a:solidFill>
+              </a:rPr>
+              <a:t>Background in computer science and financial management.</a:t>
+            </a:r>
+          </a:p>
+          <a:p>
+            <a:pPr lvl="2"/>
+            <a:r>
+              <a:rPr sz="2000">
+                <a:solidFill>
+                  <a:srgbClr val="000000"/>
+                </a:solidFill>
+              </a:rPr>
+              <a:t>Instrumental in operational execution and financial strategy.</a:t>
+            </a:r>
+          </a:p>
+          <a:p>
+            <a:pPr lvl="1"/>
+            <a:r>
+              <a:rPr sz="2000">
+                <a:solidFill>
+                  <a:srgbClr val="000000"/>
+                </a:solidFill>
+              </a:rPr>
+              <a:t>Chief Scientist: Ilya Sutskever</a:t>
+            </a:r>
+          </a:p>
+          <a:p>
+            <a:pPr lvl="2"/>
+            <a:r>
+              <a:rPr sz="2000">
+                <a:solidFill>
+                  <a:srgbClr val="000000"/>
+                </a:solidFill>
+              </a:rPr>
+              <a:t>Pivotal figure in OpenAI's research endeavors.</a:t>
+            </a:r>
+          </a:p>
+          <a:p>
+            <a:pPr lvl="2"/>
+            <a:r>
+              <a:rPr sz="2000">
+                <a:solidFill>
+                  <a:srgbClr val="000000"/>
+                </a:solidFill>
+              </a:rPr>
+              <a:t>Contributions central to breakthroughs in AI capabilities.</a:t>
+            </a:r>
+          </a:p>
+        </p:txBody>
+      </p:sp>
+    </p:spTree>
+  </p:cSld>
+  <p:clrMapOvr>
+    <a:masterClrMapping/>
+  </p:clrMapOvr>
+</p:sld>
+</file>
+
+<file path=ppt/slides/slide17.xml><?xml version="1.0" encoding="utf-8"?>
+<p:sld xmlns:a="http://schemas.openxmlformats.org/drawingml/2006/main" xmlns:r="http://schemas.openxmlformats.org/officeDocument/2006/relationships" xmlns:p="http://schemas.openxmlformats.org/presentationml/2006/main">
+  <p:cSld>
+    <p:spTree>
+      <p:nvGrpSpPr>
+        <p:cNvPr id="1" name=""/>
+        <p:cNvGrpSpPr/>
+        <p:nvPr/>
+      </p:nvGrpSpPr>
+      <p:grpSpPr>
+        <a:xfrm>
+          <a:off x="0" y="0"/>
+          <a:ext cx="0" cy="0"/>
+          <a:chOff x="0" y="0"/>
+          <a:chExt cx="0" cy="0"/>
+        </a:xfrm>
+      </p:grpSpPr>
+      <p:sp>
+        <p:nvSpPr>
+          <p:cNvPr id="2" name="Title 1"/>
+          <p:cNvSpPr>
+            <a:spLocks noGrp="1"/>
+          </p:cNvSpPr>
+          <p:nvPr>
+            <p:ph type="title"/>
+          </p:nvPr>
+        </p:nvSpPr>
+        <p:spPr/>
+        <p:txBody>
+          <a:bodyPr/>
+          <a:lstStyle/>
+          <a:p>
+            <a:pPr>
+              <a:defRPr sz="3600">
+                <a:solidFill>
+                  <a:srgbClr val="00008B"/>
+                </a:solidFill>
+              </a:defRPr>
+            </a:pPr>
+            <a:r>
+              <a:t>Equity Distribution and Conclusion</a:t>
+            </a:r>
+          </a:p>
+        </p:txBody>
+      </p:sp>
+      <p:sp>
+        <p:nvSpPr>
+          <p:cNvPr id="3" name="Content Placeholder 2"/>
+          <p:cNvSpPr>
+            <a:spLocks noGrp="1"/>
+          </p:cNvSpPr>
+          <p:nvPr>
+            <p:ph idx="1"/>
+          </p:nvPr>
+        </p:nvSpPr>
+        <p:spPr/>
+        <p:txBody>
+          <a:bodyPr/>
+          <a:lstStyle/>
+          <a:p>
+            <a:r>
+              <a:rPr sz="2000">
+                <a:solidFill>
+                  <a:srgbClr val="000000"/>
+                </a:solidFill>
+              </a:rPr>
+              <a:t>Equity Distribution</a:t>
+            </a:r>
+          </a:p>
+          <a:p>
+            <a:pPr lvl="1"/>
+            <a:r>
+              <a:rPr sz="2000">
+                <a:solidFill>
+                  <a:srgbClr val="000000"/>
+                </a:solidFill>
+              </a:rPr>
+              <a:t>Reflects strategic importance and commitment to long-term vision.</a:t>
+            </a:r>
+          </a:p>
+          <a:p>
+            <a:pPr lvl="1"/>
+            <a:r>
+              <a:rPr sz="2000">
+                <a:solidFill>
+                  <a:srgbClr val="000000"/>
+                </a:solidFill>
+              </a:rPr>
+              <a:t>Sam Altman holds significant equity, underscoring his leadership role.</a:t>
+            </a:r>
+          </a:p>
+          <a:p>
+            <a:r>
+              <a:rPr sz="2000">
+                <a:solidFill>
+                  <a:srgbClr val="000000"/>
+                </a:solidFill>
+              </a:rPr>
+              <a:t>Greg Brockman and Ilya Sutskever possess substantial equity stakes.Equity Table</a:t>
+            </a:r>
+          </a:p>
+          <a:p>
+            <a:pPr lvl="1"/>
+            <a:r>
+              <a:rPr sz="2000">
+                <a:solidFill>
+                  <a:srgbClr val="000000"/>
+                </a:solidFill>
+              </a:rPr>
+              <a:t>Team Member | Position | Equity Stake</a:t>
+            </a:r>
+          </a:p>
+          <a:p>
+            <a:pPr lvl="1"/>
+            <a:r>
+              <a:rPr sz="2000">
+                <a:solidFill>
+                  <a:srgbClr val="000000"/>
+                </a:solidFill>
+              </a:rPr>
+              <a:t>Sam Altman | Co-Founder &amp; CEO | Significant</a:t>
+            </a:r>
+          </a:p>
+          <a:p>
+            <a:pPr lvl="1"/>
+            <a:r>
+              <a:rPr sz="2000">
+                <a:solidFill>
+                  <a:srgbClr val="000000"/>
+                </a:solidFill>
+              </a:rPr>
+              <a:t>Greg Brockman | Co-Founder &amp; CFO | Substantial</a:t>
+            </a:r>
+          </a:p>
+          <a:p>
+            <a:r>
+              <a:rPr sz="2000">
+                <a:solidFill>
+                  <a:srgbClr val="000000"/>
+                </a:solidFill>
+              </a:rPr>
+              <a:t>Ilya Sutskever | Chief Scientist | SubstantialConclusion</a:t>
+            </a:r>
+          </a:p>
+          <a:p>
+            <a:pPr lvl="1"/>
+            <a:r>
+              <a:rPr sz="2000">
+                <a:solidFill>
+                  <a:srgbClr val="000000"/>
+                </a:solidFill>
+              </a:rPr>
+              <a:t>Diverse expertise is indispensable for pioneering AI advancements.</a:t>
+            </a:r>
+          </a:p>
+          <a:p>
+            <a:pPr lvl="1"/>
+            <a:r>
+              <a:rPr sz="2000">
+                <a:solidFill>
+                  <a:srgbClr val="000000"/>
+                </a:solidFill>
+              </a:rPr>
+              <a:t>Drives strategic growth and ensures operational excellence.</a:t>
+            </a:r>
+          </a:p>
+          <a:p>
+            <a:pPr lvl="1"/>
+            <a:r>
+              <a:rPr sz="2000">
+                <a:solidFill>
+                  <a:srgbClr val="000000"/>
+                </a:solidFill>
+              </a:rPr>
+              <a:t>Commitment to ethical AI development positions OpenAI as a leader.</a:t>
+            </a:r>
+          </a:p>
+        </p:txBody>
+      </p:sp>
+    </p:spTree>
+  </p:cSld>
+  <p:clrMapOvr>
+    <a:masterClrMapping/>
+  </p:clrMapOvr>
+</p:sld>
+</file>
+
+<file path=ppt/slides/slide18.xml><?xml version="1.0" encoding="utf-8"?>
+<p:sld xmlns:a="http://schemas.openxmlformats.org/drawingml/2006/main" xmlns:r="http://schemas.openxmlformats.org/officeDocument/2006/relationships" xmlns:p="http://schemas.openxmlformats.org/presentationml/2006/main">
+  <p:cSld>
+    <p:spTree>
+      <p:nvGrpSpPr>
+        <p:cNvPr id="1" name=""/>
+        <p:cNvGrpSpPr/>
+        <p:nvPr/>
+      </p:nvGrpSpPr>
+      <p:grpSpPr>
+        <a:xfrm>
+          <a:off x="0" y="0"/>
+          <a:ext cx="0" cy="0"/>
+          <a:chOff x="0" y="0"/>
+          <a:chExt cx="0" cy="0"/>
+        </a:xfrm>
+      </p:grpSpPr>
+      <p:sp>
+        <p:nvSpPr>
+          <p:cNvPr id="2" name="Title 1"/>
+          <p:cNvSpPr>
+            <a:spLocks noGrp="1"/>
+          </p:cNvSpPr>
+          <p:nvPr>
+            <p:ph type="title"/>
+          </p:nvPr>
+        </p:nvSpPr>
+        <p:spPr/>
+        <p:txBody>
+          <a:bodyPr/>
+          <a:lstStyle/>
+          <a:p>
+            <a:pPr>
+              <a:defRPr sz="3600">
+                <a:solidFill>
+                  <a:srgbClr val="00008B"/>
+                </a:solidFill>
+              </a:defRPr>
+            </a:pPr>
+            <a:r>
+              <a:t>OpenAI Fundraising Overview</a:t>
+            </a:r>
+          </a:p>
+        </p:txBody>
+      </p:sp>
+      <p:sp>
+        <p:nvSpPr>
+          <p:cNvPr id="3" name="Content Placeholder 2"/>
+          <p:cNvSpPr>
+            <a:spLocks noGrp="1"/>
+          </p:cNvSpPr>
+          <p:nvPr>
+            <p:ph idx="1"/>
+          </p:nvPr>
+        </p:nvSpPr>
+        <p:spPr/>
+        <p:txBody>
+          <a:bodyPr/>
+          <a:lstStyle/>
+          <a:p>
+            <a:r>
+              <a:rPr sz="2000">
+                <a:solidFill>
+                  <a:srgbClr val="000000"/>
+                </a:solidFill>
+              </a:rPr>
+              <a:t>Introduction</a:t>
+            </a:r>
+          </a:p>
+          <a:p>
+            <a:pPr lvl="1"/>
+            <a:r>
+              <a:rPr sz="2000">
+                <a:solidFill>
+                  <a:srgbClr val="000000"/>
+                </a:solidFill>
+              </a:rPr>
+              <a:t>OpenAI's fundraising activities are pivotal for growth and innovation in AI.</a:t>
+            </a:r>
+          </a:p>
+          <a:p>
+            <a:pPr lvl="1"/>
+            <a:r>
+              <a:rPr sz="2000">
+                <a:solidFill>
+                  <a:srgbClr val="000000"/>
+                </a:solidFill>
+              </a:rPr>
+              <a:t>Current funding round highlights the importance of securing capital.</a:t>
+            </a:r>
+          </a:p>
+          <a:p>
+            <a:r>
+              <a:rPr sz="2000">
+                <a:solidFill>
+                  <a:srgbClr val="000000"/>
+                </a:solidFill>
+              </a:rPr>
+              <a:t>Positions OpenAI to tackle challenges and opportunities in AI landscape.Current Funding Round</a:t>
+            </a:r>
+          </a:p>
+          <a:p>
+            <a:pPr lvl="1"/>
+            <a:r>
+              <a:rPr sz="2000">
+                <a:solidFill>
+                  <a:srgbClr val="000000"/>
+                </a:solidFill>
+              </a:rPr>
+              <a:t>Landmark Series B raised $6.6 billion, post-money valuation of $157 billion.</a:t>
+            </a:r>
+          </a:p>
+          <a:p>
+            <a:pPr lvl="1"/>
+            <a:r>
+              <a:rPr sz="2000">
+                <a:solidFill>
+                  <a:srgbClr val="000000"/>
+                </a:solidFill>
+              </a:rPr>
+              <a:t>Thrive Capital led the round with contributions from Microsoft, Nvidia, and SoftBank.</a:t>
+            </a:r>
+          </a:p>
+          <a:p>
+            <a:pPr lvl="2"/>
+            <a:r>
+              <a:rPr sz="2000">
+                <a:solidFill>
+                  <a:srgbClr val="000000"/>
+                </a:solidFill>
+              </a:rPr>
+              <a:t>Investors enhance OpenAI's AI research and deployment capabilities.</a:t>
+            </a:r>
+          </a:p>
+          <a:p>
+            <a:pPr lvl="2"/>
+            <a:r>
+              <a:rPr sz="2000">
+                <a:solidFill>
+                  <a:srgbClr val="000000"/>
+                </a:solidFill>
+              </a:rPr>
+              <a:t>New capital expected to impact valuation and advance generative AI technology ([22]).</a:t>
+            </a:r>
+          </a:p>
+        </p:txBody>
+      </p:sp>
+    </p:spTree>
+  </p:cSld>
+  <p:clrMapOvr>
+    <a:masterClrMapping/>
+  </p:clrMapOvr>
+</p:sld>
+</file>
+
+<file path=ppt/slides/slide19.xml><?xml version="1.0" encoding="utf-8"?>
+<p:sld xmlns:a="http://schemas.openxmlformats.org/drawingml/2006/main" xmlns:r="http://schemas.openxmlformats.org/officeDocument/2006/relationships" xmlns:p="http://schemas.openxmlformats.org/presentationml/2006/main">
+  <p:cSld>
+    <p:spTree>
+      <p:nvGrpSpPr>
+        <p:cNvPr id="1" name=""/>
+        <p:cNvGrpSpPr/>
+        <p:nvPr/>
+      </p:nvGrpSpPr>
+      <p:grpSpPr>
+        <a:xfrm>
+          <a:off x="0" y="0"/>
+          <a:ext cx="0" cy="0"/>
+          <a:chOff x="0" y="0"/>
+          <a:chExt cx="0" cy="0"/>
+        </a:xfrm>
+      </p:grpSpPr>
+      <p:sp>
+        <p:nvSpPr>
+          <p:cNvPr id="2" name="Title 1"/>
+          <p:cNvSpPr>
+            <a:spLocks noGrp="1"/>
+          </p:cNvSpPr>
+          <p:nvPr>
+            <p:ph type="title"/>
+          </p:nvPr>
+        </p:nvSpPr>
+        <p:spPr/>
+        <p:txBody>
+          <a:bodyPr/>
+          <a:lstStyle/>
+          <a:p>
+            <a:pPr>
+              <a:defRPr sz="3600">
+                <a:solidFill>
+                  <a:srgbClr val="00008B"/>
+                </a:solidFill>
+              </a:defRPr>
+            </a:pPr>
+            <a:r>
+              <a:t>Investor Insights and Fund Utilization</a:t>
+            </a:r>
+          </a:p>
+        </p:txBody>
+      </p:sp>
+      <p:sp>
+        <p:nvSpPr>
+          <p:cNvPr id="3" name="Content Placeholder 2"/>
+          <p:cNvSpPr>
+            <a:spLocks noGrp="1"/>
+          </p:cNvSpPr>
+          <p:nvPr>
+            <p:ph idx="1"/>
+          </p:nvPr>
+        </p:nvSpPr>
+        <p:spPr/>
+        <p:txBody>
+          <a:bodyPr/>
+          <a:lstStyle/>
+          <a:p>
+            <a:r>
+              <a:rPr sz="2000">
+                <a:solidFill>
+                  <a:srgbClr val="000000"/>
+                </a:solidFill>
+              </a:rPr>
+              <a:t>Investor Overview</a:t>
+            </a:r>
+          </a:p>
+          <a:p>
+            <a:pPr lvl="1"/>
+            <a:r>
+              <a:rPr sz="2000">
+                <a:solidFill>
+                  <a:srgbClr val="000000"/>
+                </a:solidFill>
+              </a:rPr>
+              <a:t>Diverse mix of venture capital firms and corporate partners.</a:t>
+            </a:r>
+          </a:p>
+          <a:p>
+            <a:pPr lvl="2"/>
+            <a:r>
+              <a:rPr sz="2000">
+                <a:solidFill>
+                  <a:srgbClr val="000000"/>
+                </a:solidFill>
+              </a:rPr>
+              <a:t>Microsoft: $13 billion invested, longstanding partnership.</a:t>
+            </a:r>
+          </a:p>
+          <a:p>
+            <a:pPr lvl="2"/>
+            <a:r>
+              <a:rPr sz="2000">
+                <a:solidFill>
+                  <a:srgbClr val="000000"/>
+                </a:solidFill>
+              </a:rPr>
+              <a:t>Nvidia: Strategic alignment in AI hardware/software.</a:t>
+            </a:r>
+          </a:p>
+          <a:p>
+            <a:r>
+              <a:rPr sz="2000">
+                <a:solidFill>
+                  <a:srgbClr val="000000"/>
+                </a:solidFill>
+              </a:rPr>
+              <a:t>SoftBank: Highlights global interest in AI's potential ([23]).Use of Funds</a:t>
+            </a:r>
+          </a:p>
+          <a:p>
+            <a:pPr lvl="1"/>
+            <a:r>
+              <a:rPr sz="2000">
+                <a:solidFill>
+                  <a:srgbClr val="000000"/>
+                </a:solidFill>
+              </a:rPr>
+              <a:t>Funds allocated to enhance AI research capabilities.</a:t>
+            </a:r>
+          </a:p>
+          <a:p>
+            <a:pPr lvl="1"/>
+            <a:r>
+              <a:rPr sz="2000">
+                <a:solidFill>
+                  <a:srgbClr val="000000"/>
+                </a:solidFill>
+              </a:rPr>
+              <a:t>Focus on developing next-generation AI models.</a:t>
+            </a:r>
+          </a:p>
+          <a:p>
+            <a:pPr lvl="2"/>
+            <a:r>
+              <a:rPr sz="2000">
+                <a:solidFill>
+                  <a:srgbClr val="000000"/>
+                </a:solidFill>
+              </a:rPr>
+              <a:t>Expand computing resources with advanced hardware.</a:t>
+            </a:r>
+          </a:p>
+          <a:p>
+            <a:pPr lvl="2"/>
+            <a:r>
+              <a:rPr sz="2000">
+                <a:solidFill>
+                  <a:srgbClr val="000000"/>
+                </a:solidFill>
+              </a:rPr>
+              <a:t>Aligns with strategic goals of market expansion and infrastructure development ([25]).</a:t>
             </a:r>
           </a:p>
         </p:txBody>
@@ -3687,7 +4964,7 @@
 </file>
 
 <file path=ppt/slides/slide2.xml><?xml version="1.0" encoding="utf-8"?>
-<p:sld xmlns:a="http://schemas.openxmlformats.org/drawingml/2006/main" xmlns:p="http://schemas.openxmlformats.org/presentationml/2006/main" xmlns:r="http://schemas.openxmlformats.org/officeDocument/2006/relationships">
+<p:sld xmlns:a="http://schemas.openxmlformats.org/drawingml/2006/main" xmlns:r="http://schemas.openxmlformats.org/officeDocument/2006/relationships" xmlns:p="http://schemas.openxmlformats.org/presentationml/2006/main">
   <p:cSld>
     <p:spTree>
       <p:nvGrpSpPr>
@@ -3695,7 +4972,14 @@
         <p:cNvGrpSpPr/>
         <p:nvPr/>
       </p:nvGrpSpPr>
-      <p:grpSpPr/>
+      <p:grpSpPr>
+        <a:xfrm>
+          <a:off x="0" y="0"/>
+          <a:ext cx="0" cy="0"/>
+          <a:chOff x="0" y="0"/>
+          <a:chExt cx="0" cy="0"/>
+        </a:xfrm>
+      </p:grpSpPr>
       <p:sp>
         <p:nvSpPr>
           <p:cNvPr id="2" name="Title 1"/>
@@ -3719,7 +5003,7 @@
               </a:defRPr>
             </a:pPr>
             <a:r>
-              <a:t>Investment Thesis and Market Expansion</a:t>
+              <a:t>Resource Utilization and Strategic Focus</a:t>
             </a:r>
           </a:p>
         </p:txBody>
@@ -3738,27 +5022,25 @@
         <p:txBody>
           <a:bodyPr/>
           <a:lstStyle/>
-          <a:p/>
-          <a:p>
-            <a:pPr/>
-            <a:r>
-              <a:rPr sz="2000">
-                <a:solidFill>
-                  <a:srgbClr val="000000"/>
-                </a:solidFill>
-              </a:rPr>
-              <a:t>Investment Overview</a:t>
-            </a:r>
-          </a:p>
-          <a:p>
-            <a:pPr lvl="1"/>
-            <a:r>
-              <a:rPr sz="2000">
-                <a:solidFill>
-                  <a:srgbClr val="000000"/>
-                </a:solidFill>
-              </a:rPr>
-              <a:t>OpenAI aims to establish a cost-effective network in the U.S.</a:t>
+          <a:p>
+            <a:r>
+              <a:rPr sz="2000">
+                <a:solidFill>
+                  <a:srgbClr val="000000"/>
+                </a:solidFill>
+              </a:rPr>
+              <a:t>Resource Utilization Model</a:t>
+            </a:r>
+          </a:p>
+          <a:p>
+            <a:pPr lvl="1"/>
+            <a:r>
+              <a:rPr sz="2000">
+                <a:solidFill>
+                  <a:srgbClr val="000000"/>
+                </a:solidFill>
+              </a:rPr>
+              <a:t>Employs flexible resources for scalable solutions:</a:t>
             </a:r>
           </a:p>
           <a:p>
@@ -3769,7 +5051,7 @@
                   <a:srgbClr val="000000"/>
                 </a:solidFill>
               </a:rPr>
-              <a:t>Headquartered in San Francisco.</a:t>
+              <a:t>Independent service providers.</a:t>
             </a:r>
           </a:p>
           <a:p>
@@ -3780,29 +5062,28 @@
                   <a:srgbClr val="000000"/>
                 </a:solidFill>
               </a:rPr>
-              <a:t>Focus on strategic partnerships to enhance market presence.</a:t>
-            </a:r>
-          </a:p>
-          <a:p>
-            <a:pPr/>
-            <a:r>
-              <a:rPr sz="2000">
-                <a:solidFill>
-                  <a:srgbClr val="000000"/>
-                </a:solidFill>
-              </a:rPr>
-              <a:t>Phased Market Expansion</a:t>
-            </a:r>
-          </a:p>
-          <a:p>
-            <a:pPr lvl="1"/>
-            <a:r>
-              <a:rPr sz="2000">
-                <a:solidFill>
-                  <a:srgbClr val="000000"/>
-                </a:solidFill>
-              </a:rPr>
-              <a:t>Phase 1: Leverage partnerships with Microsoft and Apple.</a:t>
+              <a:t>Cost-effective delivery.</a:t>
+            </a:r>
+          </a:p>
+          <a:p>
+            <a:r>
+              <a:rPr sz="2000">
+                <a:solidFill>
+                  <a:srgbClr val="000000"/>
+                </a:solidFill>
+              </a:rPr>
+              <a:t>Optimizes capacity to meet client needs ([2]).Targeted Focus Areas</a:t>
+            </a:r>
+          </a:p>
+          <a:p>
+            <a:pPr lvl="1"/>
+            <a:r>
+              <a:rPr sz="2000">
+                <a:solidFill>
+                  <a:srgbClr val="000000"/>
+                </a:solidFill>
+              </a:rPr>
+              <a:t>Effective in specific US regions and demographics:</a:t>
             </a:r>
           </a:p>
           <a:p>
@@ -3813,7 +5094,7 @@
                   <a:srgbClr val="000000"/>
                 </a:solidFill>
               </a:rPr>
-              <a:t>Secure inbound volume with minimal acquisition costs.</a:t>
+              <a:t>Tailored solutions for high demand.</a:t>
             </a:r>
           </a:p>
           <a:p>
@@ -3824,18 +5105,1535 @@
                   <a:srgbClr val="000000"/>
                 </a:solidFill>
               </a:rPr>
-              <a:t>Integrate ChatGPT into existing ecosystems ([6]).</a:t>
-            </a:r>
-          </a:p>
-          <a:p>
-            <a:pPr lvl="1"/>
-            <a:r>
-              <a:rPr sz="2000">
-                <a:solidFill>
-                  <a:srgbClr val="000000"/>
-                </a:solidFill>
-              </a:rPr>
-              <a:t>Phase 2: Expand network and enhance brand recognition ([7]).</a:t>
+              <a:t>Maximizes impact and drives growth.</a:t>
+            </a:r>
+          </a:p>
+          <a:p>
+            <a:pPr lvl="1"/>
+            <a:r>
+              <a:rPr sz="2000">
+                <a:solidFill>
+                  <a:srgbClr val="000000"/>
+                </a:solidFill>
+              </a:rPr>
+              <a:t>Customizable model enhances effectiveness ([3]).</a:t>
+            </a:r>
+          </a:p>
+        </p:txBody>
+      </p:sp>
+    </p:spTree>
+  </p:cSld>
+  <p:clrMapOvr>
+    <a:masterClrMapping/>
+  </p:clrMapOvr>
+</p:sld>
+</file>
+
+<file path=ppt/slides/slide20.xml><?xml version="1.0" encoding="utf-8"?>
+<p:sld xmlns:a="http://schemas.openxmlformats.org/drawingml/2006/main" xmlns:r="http://schemas.openxmlformats.org/officeDocument/2006/relationships" xmlns:p="http://schemas.openxmlformats.org/presentationml/2006/main">
+  <p:cSld>
+    <p:spTree>
+      <p:nvGrpSpPr>
+        <p:cNvPr id="1" name=""/>
+        <p:cNvGrpSpPr/>
+        <p:nvPr/>
+      </p:nvGrpSpPr>
+      <p:grpSpPr>
+        <a:xfrm>
+          <a:off x="0" y="0"/>
+          <a:ext cx="0" cy="0"/>
+          <a:chOff x="0" y="0"/>
+          <a:chExt cx="0" cy="0"/>
+        </a:xfrm>
+      </p:grpSpPr>
+      <p:sp>
+        <p:nvSpPr>
+          <p:cNvPr id="2" name="Title 1"/>
+          <p:cNvSpPr>
+            <a:spLocks noGrp="1"/>
+          </p:cNvSpPr>
+          <p:nvPr>
+            <p:ph type="title"/>
+          </p:nvPr>
+        </p:nvSpPr>
+        <p:spPr/>
+        <p:txBody>
+          <a:bodyPr/>
+          <a:lstStyle/>
+          <a:p>
+            <a:pPr>
+              <a:defRPr sz="3600">
+                <a:solidFill>
+                  <a:srgbClr val="00008B"/>
+                </a:solidFill>
+              </a:defRPr>
+            </a:pPr>
+            <a:r>
+              <a:t>Future Plans and Conclusion</a:t>
+            </a:r>
+          </a:p>
+        </p:txBody>
+      </p:sp>
+      <p:sp>
+        <p:nvSpPr>
+          <p:cNvPr id="3" name="Content Placeholder 2"/>
+          <p:cNvSpPr>
+            <a:spLocks noGrp="1"/>
+          </p:cNvSpPr>
+          <p:nvPr>
+            <p:ph idx="1"/>
+          </p:nvPr>
+        </p:nvSpPr>
+        <p:spPr/>
+        <p:txBody>
+          <a:bodyPr/>
+          <a:lstStyle/>
+          <a:p>
+            <a:r>
+              <a:rPr sz="2000">
+                <a:solidFill>
+                  <a:srgbClr val="000000"/>
+                </a:solidFill>
+              </a:rPr>
+              <a:t>Future Fundraising Plans</a:t>
+            </a:r>
+          </a:p>
+          <a:p>
+            <a:pPr lvl="1"/>
+            <a:r>
+              <a:rPr sz="2000">
+                <a:solidFill>
+                  <a:srgbClr val="000000"/>
+                </a:solidFill>
+              </a:rPr>
+              <a:t>OpenAI anticipates further fundraising to sustain growth.</a:t>
+            </a:r>
+          </a:p>
+          <a:p>
+            <a:pPr lvl="1"/>
+            <a:r>
+              <a:rPr sz="2000">
+                <a:solidFill>
+                  <a:srgbClr val="000000"/>
+                </a:solidFill>
+              </a:rPr>
+              <a:t>Exploring timelines for future rounds with existing and new investors.</a:t>
+            </a:r>
+          </a:p>
+          <a:p>
+            <a:r>
+              <a:rPr sz="2000">
+                <a:solidFill>
+                  <a:srgbClr val="000000"/>
+                </a:solidFill>
+              </a:rPr>
+              <a:t>Efforts expected to bolster financial position in competitive AI landscape ([26]).Conclusion</a:t>
+            </a:r>
+          </a:p>
+          <a:p>
+            <a:pPr lvl="1"/>
+            <a:r>
+              <a:rPr sz="2000">
+                <a:solidFill>
+                  <a:srgbClr val="000000"/>
+                </a:solidFill>
+              </a:rPr>
+              <a:t>Fundraising strategy aligns with long-term objectives in AI.</a:t>
+            </a:r>
+          </a:p>
+          <a:p>
+            <a:pPr lvl="1"/>
+            <a:r>
+              <a:rPr sz="2000">
+                <a:solidFill>
+                  <a:srgbClr val="000000"/>
+                </a:solidFill>
+              </a:rPr>
+              <a:t>Current round strengthens financial foundation and innovation capacity.</a:t>
+            </a:r>
+          </a:p>
+          <a:p>
+            <a:pPr lvl="1"/>
+            <a:r>
+              <a:rPr sz="2000">
+                <a:solidFill>
+                  <a:srgbClr val="000000"/>
+                </a:solidFill>
+              </a:rPr>
+              <a:t>Strategic efforts crucial for achieving ambitious goals and sustaining growth momentum.</a:t>
+            </a:r>
+          </a:p>
+        </p:txBody>
+      </p:sp>
+    </p:spTree>
+  </p:cSld>
+  <p:clrMapOvr>
+    <a:masterClrMapping/>
+  </p:clrMapOvr>
+</p:sld>
+</file>
+
+<file path=ppt/slides/slide21.xml><?xml version="1.0" encoding="utf-8"?>
+<p:sld xmlns:a="http://schemas.openxmlformats.org/drawingml/2006/main" xmlns:r="http://schemas.openxmlformats.org/officeDocument/2006/relationships" xmlns:p="http://schemas.openxmlformats.org/presentationml/2006/main">
+  <p:cSld>
+    <p:spTree>
+      <p:nvGrpSpPr>
+        <p:cNvPr id="1" name=""/>
+        <p:cNvGrpSpPr/>
+        <p:nvPr/>
+      </p:nvGrpSpPr>
+      <p:grpSpPr>
+        <a:xfrm>
+          <a:off x="0" y="0"/>
+          <a:ext cx="0" cy="0"/>
+          <a:chOff x="0" y="0"/>
+          <a:chExt cx="0" cy="0"/>
+        </a:xfrm>
+      </p:grpSpPr>
+      <p:sp>
+        <p:nvSpPr>
+          <p:cNvPr id="2" name="Title 1"/>
+          <p:cNvSpPr>
+            <a:spLocks noGrp="1"/>
+          </p:cNvSpPr>
+          <p:nvPr>
+            <p:ph type="title"/>
+          </p:nvPr>
+        </p:nvSpPr>
+        <p:spPr/>
+        <p:txBody>
+          <a:bodyPr/>
+          <a:lstStyle/>
+          <a:p>
+            <a:pPr>
+              <a:defRPr sz="3600">
+                <a:solidFill>
+                  <a:srgbClr val="00008B"/>
+                </a:solidFill>
+              </a:defRPr>
+            </a:pPr>
+            <a:r>
+              <a:t>Future Development Overview</a:t>
+            </a:r>
+          </a:p>
+        </p:txBody>
+      </p:sp>
+      <p:sp>
+        <p:nvSpPr>
+          <p:cNvPr id="3" name="Content Placeholder 2"/>
+          <p:cNvSpPr>
+            <a:spLocks noGrp="1"/>
+          </p:cNvSpPr>
+          <p:nvPr>
+            <p:ph idx="1"/>
+          </p:nvPr>
+        </p:nvSpPr>
+        <p:spPr/>
+        <p:txBody>
+          <a:bodyPr/>
+          <a:lstStyle/>
+          <a:p>
+            <a:r>
+              <a:rPr sz="2000">
+                <a:solidFill>
+                  <a:srgbClr val="000000"/>
+                </a:solidFill>
+              </a:rPr>
+              <a:t>Introduction</a:t>
+            </a:r>
+          </a:p>
+          <a:p>
+            <a:pPr lvl="1"/>
+            <a:r>
+              <a:rPr sz="2000">
+                <a:solidFill>
+                  <a:srgbClr val="000000"/>
+                </a:solidFill>
+              </a:rPr>
+              <a:t>OpenAI envisions AI as a transformative force across sectors.</a:t>
+            </a:r>
+          </a:p>
+          <a:p>
+            <a:pPr lvl="1"/>
+            <a:r>
+              <a:rPr sz="2000">
+                <a:solidFill>
+                  <a:srgbClr val="000000"/>
+                </a:solidFill>
+              </a:rPr>
+              <a:t>Focus on market expansion and technological advancement.</a:t>
+            </a:r>
+          </a:p>
+          <a:p>
+            <a:pPr lvl="1"/>
+            <a:r>
+              <a:rPr sz="2000">
+                <a:solidFill>
+                  <a:srgbClr val="000000"/>
+                </a:solidFill>
+              </a:rPr>
+              <a:t>Aim to solidify leadership in the AI industry.</a:t>
+            </a:r>
+          </a:p>
+          <a:p>
+            <a:pPr lvl="1"/>
+            <a:r>
+              <a:rPr sz="2000">
+                <a:solidFill>
+                  <a:srgbClr val="000000"/>
+                </a:solidFill>
+              </a:rPr>
+              <a:t>Ensure ethical and responsible AI deployment.</a:t>
+            </a:r>
+          </a:p>
+        </p:txBody>
+      </p:sp>
+    </p:spTree>
+  </p:cSld>
+  <p:clrMapOvr>
+    <a:masterClrMapping/>
+  </p:clrMapOvr>
+</p:sld>
+</file>
+
+<file path=ppt/slides/slide22.xml><?xml version="1.0" encoding="utf-8"?>
+<p:sld xmlns:a="http://schemas.openxmlformats.org/drawingml/2006/main" xmlns:r="http://schemas.openxmlformats.org/officeDocument/2006/relationships" xmlns:p="http://schemas.openxmlformats.org/presentationml/2006/main">
+  <p:cSld>
+    <p:spTree>
+      <p:nvGrpSpPr>
+        <p:cNvPr id="1" name=""/>
+        <p:cNvGrpSpPr/>
+        <p:nvPr/>
+      </p:nvGrpSpPr>
+      <p:grpSpPr>
+        <a:xfrm>
+          <a:off x="0" y="0"/>
+          <a:ext cx="0" cy="0"/>
+          <a:chOff x="0" y="0"/>
+          <a:chExt cx="0" cy="0"/>
+        </a:xfrm>
+      </p:grpSpPr>
+      <p:sp>
+        <p:nvSpPr>
+          <p:cNvPr id="2" name="Title 1"/>
+          <p:cNvSpPr>
+            <a:spLocks noGrp="1"/>
+          </p:cNvSpPr>
+          <p:nvPr>
+            <p:ph type="title"/>
+          </p:nvPr>
+        </p:nvSpPr>
+        <p:spPr/>
+        <p:txBody>
+          <a:bodyPr/>
+          <a:lstStyle/>
+          <a:p>
+            <a:pPr>
+              <a:defRPr sz="3600">
+                <a:solidFill>
+                  <a:srgbClr val="00008B"/>
+                </a:solidFill>
+              </a:defRPr>
+            </a:pPr>
+            <a:r>
+              <a:t>Strategic Roadmap Components</a:t>
+            </a:r>
+          </a:p>
+        </p:txBody>
+      </p:sp>
+      <p:sp>
+        <p:nvSpPr>
+          <p:cNvPr id="3" name="Content Placeholder 2"/>
+          <p:cNvSpPr>
+            <a:spLocks noGrp="1"/>
+          </p:cNvSpPr>
+          <p:nvPr>
+            <p:ph idx="1"/>
+          </p:nvPr>
+        </p:nvSpPr>
+        <p:spPr/>
+        <p:txBody>
+          <a:bodyPr/>
+          <a:lstStyle/>
+          <a:p>
+            <a:r>
+              <a:rPr sz="2000">
+                <a:solidFill>
+                  <a:srgbClr val="000000"/>
+                </a:solidFill>
+              </a:rPr>
+              <a:t>Market Expansion</a:t>
+            </a:r>
+          </a:p>
+          <a:p>
+            <a:pPr lvl="1"/>
+            <a:r>
+              <a:rPr sz="2000">
+                <a:solidFill>
+                  <a:srgbClr val="000000"/>
+                </a:solidFill>
+              </a:rPr>
+              <a:t>Strategic entry into new regions, focusing on key urban areas in the US.</a:t>
+            </a:r>
+          </a:p>
+          <a:p>
+            <a:pPr lvl="1"/>
+            <a:r>
+              <a:rPr sz="2000">
+                <a:solidFill>
+                  <a:srgbClr val="000000"/>
+                </a:solidFill>
+              </a:rPr>
+              <a:t>Selected based on technological infrastructure and demand for AI solutions.</a:t>
+            </a:r>
+          </a:p>
+          <a:p>
+            <a:r>
+              <a:rPr sz="2000">
+                <a:solidFill>
+                  <a:srgbClr val="000000"/>
+                </a:solidFill>
+              </a:rPr>
+              <a:t>Facilitates adoption of AI technologies across diverse industries.Operational Infrastructure</a:t>
+            </a:r>
+          </a:p>
+          <a:p>
+            <a:pPr lvl="1"/>
+            <a:r>
+              <a:rPr sz="2000">
+                <a:solidFill>
+                  <a:srgbClr val="000000"/>
+                </a:solidFill>
+              </a:rPr>
+              <a:t>Significant infrastructure developments planned.</a:t>
+            </a:r>
+          </a:p>
+          <a:p>
+            <a:pPr lvl="2"/>
+            <a:r>
+              <a:rPr sz="2000">
+                <a:solidFill>
+                  <a:srgbClr val="000000"/>
+                </a:solidFill>
+              </a:rPr>
+              <a:t>Establishment of data storage and distribution centers.</a:t>
+            </a:r>
+          </a:p>
+          <a:p>
+            <a:r>
+              <a:rPr sz="2000">
+                <a:solidFill>
+                  <a:srgbClr val="000000"/>
+                </a:solidFill>
+              </a:rPr>
+              <a:t>Targeted recruitment for local talent, including operational staff and technical experts.Technological Enhancements</a:t>
+            </a:r>
+          </a:p>
+          <a:p>
+            <a:pPr lvl="1"/>
+            <a:r>
+              <a:rPr sz="2000">
+                <a:solidFill>
+                  <a:srgbClr val="000000"/>
+                </a:solidFill>
+              </a:rPr>
+              <a:t>Commitment to continuous improvement of AI stack.</a:t>
+            </a:r>
+          </a:p>
+          <a:p>
+            <a:pPr lvl="1"/>
+            <a:r>
+              <a:rPr sz="2000">
+                <a:solidFill>
+                  <a:srgbClr val="000000"/>
+                </a:solidFill>
+              </a:rPr>
+              <a:t>Enhancements to boost operational efficiency and customer satisfaction.</a:t>
+            </a:r>
+          </a:p>
+          <a:p>
+            <a:pPr lvl="1"/>
+            <a:r>
+              <a:rPr sz="2000">
+                <a:solidFill>
+                  <a:srgbClr val="000000"/>
+                </a:solidFill>
+              </a:rPr>
+              <a:t>Focus on intuitive user experiences and advanced AI capabilities.</a:t>
+            </a:r>
+          </a:p>
+        </p:txBody>
+      </p:sp>
+    </p:spTree>
+  </p:cSld>
+  <p:clrMapOvr>
+    <a:masterClrMapping/>
+  </p:clrMapOvr>
+</p:sld>
+</file>
+
+<file path=ppt/slides/slide23.xml><?xml version="1.0" encoding="utf-8"?>
+<p:sld xmlns:a="http://schemas.openxmlformats.org/drawingml/2006/main" xmlns:r="http://schemas.openxmlformats.org/officeDocument/2006/relationships" xmlns:p="http://schemas.openxmlformats.org/presentationml/2006/main">
+  <p:cSld>
+    <p:spTree>
+      <p:nvGrpSpPr>
+        <p:cNvPr id="1" name=""/>
+        <p:cNvGrpSpPr/>
+        <p:nvPr/>
+      </p:nvGrpSpPr>
+      <p:grpSpPr>
+        <a:xfrm>
+          <a:off x="0" y="0"/>
+          <a:ext cx="0" cy="0"/>
+          <a:chOff x="0" y="0"/>
+          <a:chExt cx="0" cy="0"/>
+        </a:xfrm>
+      </p:grpSpPr>
+      <p:sp>
+        <p:nvSpPr>
+          <p:cNvPr id="2" name="Title 1"/>
+          <p:cNvSpPr>
+            <a:spLocks noGrp="1"/>
+          </p:cNvSpPr>
+          <p:nvPr>
+            <p:ph type="title"/>
+          </p:nvPr>
+        </p:nvSpPr>
+        <p:spPr/>
+        <p:txBody>
+          <a:bodyPr/>
+          <a:lstStyle/>
+          <a:p>
+            <a:pPr>
+              <a:defRPr sz="3600">
+                <a:solidFill>
+                  <a:srgbClr val="00008B"/>
+                </a:solidFill>
+              </a:defRPr>
+            </a:pPr>
+            <a:r>
+              <a:t>Partnerships and Competitive Positioning</a:t>
+            </a:r>
+          </a:p>
+        </p:txBody>
+      </p:sp>
+      <p:sp>
+        <p:nvSpPr>
+          <p:cNvPr id="3" name="Content Placeholder 2"/>
+          <p:cNvSpPr>
+            <a:spLocks noGrp="1"/>
+          </p:cNvSpPr>
+          <p:nvPr>
+            <p:ph idx="1"/>
+          </p:nvPr>
+        </p:nvSpPr>
+        <p:spPr/>
+        <p:txBody>
+          <a:bodyPr/>
+          <a:lstStyle/>
+          <a:p>
+            <a:r>
+              <a:rPr sz="2000">
+                <a:solidFill>
+                  <a:srgbClr val="000000"/>
+                </a:solidFill>
+              </a:rPr>
+              <a:t>Leveraging Partnerships</a:t>
+            </a:r>
+          </a:p>
+          <a:p>
+            <a:pPr lvl="1"/>
+            <a:r>
+              <a:rPr sz="2000">
+                <a:solidFill>
+                  <a:srgbClr val="000000"/>
+                </a:solidFill>
+              </a:rPr>
+              <a:t>Existing partnerships crucial for market entry and growth.</a:t>
+            </a:r>
+          </a:p>
+          <a:p>
+            <a:pPr lvl="1"/>
+            <a:r>
+              <a:rPr sz="2000">
+                <a:solidFill>
+                  <a:srgbClr val="000000"/>
+                </a:solidFill>
+              </a:rPr>
+              <a:t>Collaborations with major corporations enhance capabilities.</a:t>
+            </a:r>
+          </a:p>
+          <a:p>
+            <a:r>
+              <a:rPr sz="2000">
+                <a:solidFill>
+                  <a:srgbClr val="000000"/>
+                </a:solidFill>
+              </a:rPr>
+              <a:t>Strategic alliances provide resources and expertise.Expected Outcomes</a:t>
+            </a:r>
+          </a:p>
+          <a:p>
+            <a:pPr lvl="1"/>
+            <a:r>
+              <a:rPr sz="2000">
+                <a:solidFill>
+                  <a:srgbClr val="000000"/>
+                </a:solidFill>
+              </a:rPr>
+              <a:t>Anticipated outcomes include increased market share.</a:t>
+            </a:r>
+          </a:p>
+          <a:p>
+            <a:pPr lvl="1"/>
+            <a:r>
+              <a:rPr sz="2000">
+                <a:solidFill>
+                  <a:srgbClr val="000000"/>
+                </a:solidFill>
+              </a:rPr>
+              <a:t>Improved service capabilities and strengthened industry position.</a:t>
+            </a:r>
+          </a:p>
+          <a:p>
+            <a:pPr lvl="1"/>
+            <a:r>
+              <a:rPr sz="2000">
+                <a:solidFill>
+                  <a:srgbClr val="000000"/>
+                </a:solidFill>
+              </a:rPr>
+              <a:t>Aligns with vision of fostering innovation and collaboration.</a:t>
+            </a:r>
+          </a:p>
+        </p:txBody>
+      </p:sp>
+    </p:spTree>
+  </p:cSld>
+  <p:clrMapOvr>
+    <a:masterClrMapping/>
+  </p:clrMapOvr>
+</p:sld>
+</file>
+
+<file path=ppt/slides/slide24.xml><?xml version="1.0" encoding="utf-8"?>
+<p:sld xmlns:a="http://schemas.openxmlformats.org/drawingml/2006/main" xmlns:r="http://schemas.openxmlformats.org/officeDocument/2006/relationships" xmlns:p="http://schemas.openxmlformats.org/presentationml/2006/main">
+  <p:cSld>
+    <p:spTree>
+      <p:nvGrpSpPr>
+        <p:cNvPr id="1" name=""/>
+        <p:cNvGrpSpPr/>
+        <p:nvPr/>
+      </p:nvGrpSpPr>
+      <p:grpSpPr>
+        <a:xfrm>
+          <a:off x="0" y="0"/>
+          <a:ext cx="0" cy="0"/>
+          <a:chOff x="0" y="0"/>
+          <a:chExt cx="0" cy="0"/>
+        </a:xfrm>
+      </p:grpSpPr>
+      <p:sp>
+        <p:nvSpPr>
+          <p:cNvPr id="2" name="Title 1"/>
+          <p:cNvSpPr>
+            <a:spLocks noGrp="1"/>
+          </p:cNvSpPr>
+          <p:nvPr>
+            <p:ph type="title"/>
+          </p:nvPr>
+        </p:nvSpPr>
+        <p:spPr/>
+        <p:txBody>
+          <a:bodyPr/>
+          <a:lstStyle/>
+          <a:p>
+            <a:pPr>
+              <a:defRPr sz="3600">
+                <a:solidFill>
+                  <a:srgbClr val="00008B"/>
+                </a:solidFill>
+              </a:defRPr>
+            </a:pPr>
+            <a:r>
+              <a:t>Valuation Overview</a:t>
+            </a:r>
+          </a:p>
+        </p:txBody>
+      </p:sp>
+      <p:sp>
+        <p:nvSpPr>
+          <p:cNvPr id="3" name="Content Placeholder 2"/>
+          <p:cNvSpPr>
+            <a:spLocks noGrp="1"/>
+          </p:cNvSpPr>
+          <p:nvPr>
+            <p:ph idx="1"/>
+          </p:nvPr>
+        </p:nvSpPr>
+        <p:spPr/>
+        <p:txBody>
+          <a:bodyPr/>
+          <a:lstStyle/>
+          <a:p>
+            <a:r>
+              <a:rPr sz="2000">
+                <a:solidFill>
+                  <a:srgbClr val="000000"/>
+                </a:solidFill>
+              </a:rPr>
+              <a:t>Introduction</a:t>
+            </a:r>
+          </a:p>
+          <a:p>
+            <a:pPr lvl="1"/>
+            <a:r>
+              <a:rPr sz="2000">
+                <a:solidFill>
+                  <a:srgbClr val="000000"/>
+                </a:solidFill>
+              </a:rPr>
+              <a:t>OpenAI is a leader in AI research and deployment.</a:t>
+            </a:r>
+          </a:p>
+          <a:p>
+            <a:pPr lvl="1"/>
+            <a:r>
+              <a:rPr sz="2000">
+                <a:solidFill>
+                  <a:srgbClr val="000000"/>
+                </a:solidFill>
+              </a:rPr>
+              <a:t>Emphasizes cutting-edge technology and ethical AI practices.</a:t>
+            </a:r>
+          </a:p>
+          <a:p>
+            <a:r>
+              <a:rPr sz="2000">
+                <a:solidFill>
+                  <a:srgbClr val="000000"/>
+                </a:solidFill>
+              </a:rPr>
+              <a:t>Strategic partnerships and research capabilities enhance its valuation.Current Valuation</a:t>
+            </a:r>
+          </a:p>
+          <a:p>
+            <a:pPr lvl="1"/>
+            <a:r>
+              <a:rPr sz="2000">
+                <a:solidFill>
+                  <a:srgbClr val="000000"/>
+                </a:solidFill>
+              </a:rPr>
+              <a:t>Engaged in a significant Series X funding round.</a:t>
+            </a:r>
+          </a:p>
+          <a:p>
+            <a:pPr lvl="1"/>
+            <a:r>
+              <a:rPr sz="2000">
+                <a:solidFill>
+                  <a:srgbClr val="000000"/>
+                </a:solidFill>
+              </a:rPr>
+              <a:t>Pre-money valuation estimated at $X billion.</a:t>
+            </a:r>
+          </a:p>
+          <a:p>
+            <a:pPr lvl="1"/>
+            <a:r>
+              <a:rPr sz="2000">
+                <a:solidFill>
+                  <a:srgbClr val="000000"/>
+                </a:solidFill>
+              </a:rPr>
+              <a:t>Post-money valuation reaching $Y billion.</a:t>
+            </a:r>
+          </a:p>
+          <a:p>
+            <a:pPr lvl="1"/>
+            <a:r>
+              <a:rPr sz="2000">
+                <a:solidFill>
+                  <a:srgbClr val="000000"/>
+                </a:solidFill>
+              </a:rPr>
+              <a:t>Reflects strong financial health and market confidence.</a:t>
+            </a:r>
+          </a:p>
+        </p:txBody>
+      </p:sp>
+    </p:spTree>
+  </p:cSld>
+  <p:clrMapOvr>
+    <a:masterClrMapping/>
+  </p:clrMapOvr>
+</p:sld>
+</file>
+
+<file path=ppt/slides/slide25.xml><?xml version="1.0" encoding="utf-8"?>
+<p:sld xmlns:a="http://schemas.openxmlformats.org/drawingml/2006/main" xmlns:r="http://schemas.openxmlformats.org/officeDocument/2006/relationships" xmlns:p="http://schemas.openxmlformats.org/presentationml/2006/main">
+  <p:cSld>
+    <p:spTree>
+      <p:nvGrpSpPr>
+        <p:cNvPr id="1" name=""/>
+        <p:cNvGrpSpPr/>
+        <p:nvPr/>
+      </p:nvGrpSpPr>
+      <p:grpSpPr>
+        <a:xfrm>
+          <a:off x="0" y="0"/>
+          <a:ext cx="0" cy="0"/>
+          <a:chOff x="0" y="0"/>
+          <a:chExt cx="0" cy="0"/>
+        </a:xfrm>
+      </p:grpSpPr>
+      <p:sp>
+        <p:nvSpPr>
+          <p:cNvPr id="2" name="Title 1"/>
+          <p:cNvSpPr>
+            <a:spLocks noGrp="1"/>
+          </p:cNvSpPr>
+          <p:nvPr>
+            <p:ph type="title"/>
+          </p:nvPr>
+        </p:nvSpPr>
+        <p:spPr/>
+        <p:txBody>
+          <a:bodyPr/>
+          <a:lstStyle/>
+          <a:p>
+            <a:pPr>
+              <a:defRPr sz="3600">
+                <a:solidFill>
+                  <a:srgbClr val="00008B"/>
+                </a:solidFill>
+              </a:defRPr>
+            </a:pPr>
+            <a:r>
+              <a:t>Strategic Partnerships and Growth</a:t>
+            </a:r>
+          </a:p>
+        </p:txBody>
+      </p:sp>
+      <p:sp>
+        <p:nvSpPr>
+          <p:cNvPr id="3" name="Content Placeholder 2"/>
+          <p:cNvSpPr>
+            <a:spLocks noGrp="1"/>
+          </p:cNvSpPr>
+          <p:nvPr>
+            <p:ph idx="1"/>
+          </p:nvPr>
+        </p:nvSpPr>
+        <p:spPr/>
+        <p:txBody>
+          <a:bodyPr/>
+          <a:lstStyle/>
+          <a:p>
+            <a:r>
+              <a:rPr sz="2000">
+                <a:solidFill>
+                  <a:srgbClr val="000000"/>
+                </a:solidFill>
+              </a:rPr>
+              <a:t>Strategic Partnerships</a:t>
+            </a:r>
+          </a:p>
+          <a:p>
+            <a:pPr lvl="1"/>
+            <a:r>
+              <a:rPr sz="2000">
+                <a:solidFill>
+                  <a:srgbClr val="000000"/>
+                </a:solidFill>
+              </a:rPr>
+              <a:t>Key partnership with Microsoft: multiyear, multibillion-dollar.</a:t>
+            </a:r>
+          </a:p>
+          <a:p>
+            <a:pPr lvl="1"/>
+            <a:r>
+              <a:rPr sz="2000">
+                <a:solidFill>
+                  <a:srgbClr val="000000"/>
+                </a:solidFill>
+              </a:rPr>
+              <a:t>Exclusive cloud services via Microsoft Azure.</a:t>
+            </a:r>
+          </a:p>
+          <a:p>
+            <a:r>
+              <a:rPr sz="2000">
+                <a:solidFill>
+                  <a:srgbClr val="000000"/>
+                </a:solidFill>
+              </a:rPr>
+              <a:t>Integration of AI models into Microsoft products enhances functionality ([31]).Growth Strategy</a:t>
+            </a:r>
+          </a:p>
+          <a:p>
+            <a:pPr lvl="1"/>
+            <a:r>
+              <a:rPr sz="2000">
+                <a:solidFill>
+                  <a:srgbClr val="000000"/>
+                </a:solidFill>
+              </a:rPr>
+              <a:t>Focus on expanding technological capabilities and market presence.</a:t>
+            </a:r>
+          </a:p>
+          <a:p>
+            <a:pPr lvl="1"/>
+            <a:r>
+              <a:rPr sz="2000">
+                <a:solidFill>
+                  <a:srgbClr val="000000"/>
+                </a:solidFill>
+              </a:rPr>
+              <a:t>Aims to penetrate new geographic markets and industry segments.</a:t>
+            </a:r>
+          </a:p>
+          <a:p>
+            <a:pPr lvl="1"/>
+            <a:r>
+              <a:rPr sz="2000">
+                <a:solidFill>
+                  <a:srgbClr val="000000"/>
+                </a:solidFill>
+              </a:rPr>
+              <a:t>Business model integrates research excellence with practical deployment.</a:t>
+            </a:r>
+          </a:p>
+        </p:txBody>
+      </p:sp>
+    </p:spTree>
+  </p:cSld>
+  <p:clrMapOvr>
+    <a:masterClrMapping/>
+  </p:clrMapOvr>
+</p:sld>
+</file>
+
+<file path=ppt/slides/slide26.xml><?xml version="1.0" encoding="utf-8"?>
+<p:sld xmlns:a="http://schemas.openxmlformats.org/drawingml/2006/main" xmlns:r="http://schemas.openxmlformats.org/officeDocument/2006/relationships" xmlns:p="http://schemas.openxmlformats.org/presentationml/2006/main">
+  <p:cSld>
+    <p:spTree>
+      <p:nvGrpSpPr>
+        <p:cNvPr id="1" name=""/>
+        <p:cNvGrpSpPr/>
+        <p:nvPr/>
+      </p:nvGrpSpPr>
+      <p:grpSpPr>
+        <a:xfrm>
+          <a:off x="0" y="0"/>
+          <a:ext cx="0" cy="0"/>
+          <a:chOff x="0" y="0"/>
+          <a:chExt cx="0" cy="0"/>
+        </a:xfrm>
+      </p:grpSpPr>
+      <p:sp>
+        <p:nvSpPr>
+          <p:cNvPr id="2" name="Title 1"/>
+          <p:cNvSpPr>
+            <a:spLocks noGrp="1"/>
+          </p:cNvSpPr>
+          <p:nvPr>
+            <p:ph type="title"/>
+          </p:nvPr>
+        </p:nvSpPr>
+        <p:spPr/>
+        <p:txBody>
+          <a:bodyPr/>
+          <a:lstStyle/>
+          <a:p>
+            <a:pPr>
+              <a:defRPr sz="3600">
+                <a:solidFill>
+                  <a:srgbClr val="00008B"/>
+                </a:solidFill>
+              </a:defRPr>
+            </a:pPr>
+            <a:r>
+              <a:t>Competitive Edge and Conclusion</a:t>
+            </a:r>
+          </a:p>
+        </p:txBody>
+      </p:sp>
+      <p:sp>
+        <p:nvSpPr>
+          <p:cNvPr id="3" name="Content Placeholder 2"/>
+          <p:cNvSpPr>
+            <a:spLocks noGrp="1"/>
+          </p:cNvSpPr>
+          <p:nvPr>
+            <p:ph idx="1"/>
+          </p:nvPr>
+        </p:nvSpPr>
+        <p:spPr/>
+        <p:txBody>
+          <a:bodyPr/>
+          <a:lstStyle/>
+          <a:p>
+            <a:r>
+              <a:rPr sz="2000">
+                <a:solidFill>
+                  <a:srgbClr val="000000"/>
+                </a:solidFill>
+              </a:rPr>
+              <a:t>Comparative Analysis</a:t>
+            </a:r>
+          </a:p>
+          <a:p>
+            <a:pPr lvl="1"/>
+            <a:r>
+              <a:rPr sz="2000">
+                <a:solidFill>
+                  <a:srgbClr val="000000"/>
+                </a:solidFill>
+              </a:rPr>
+              <a:t>Holds a competitive edge through advanced research and ethical practices.</a:t>
+            </a:r>
+          </a:p>
+          <a:p>
+            <a:pPr lvl="1"/>
+            <a:r>
+              <a:rPr sz="2000">
+                <a:solidFill>
+                  <a:srgbClr val="000000"/>
+                </a:solidFill>
+              </a:rPr>
+              <a:t>Holistic approach positions OpenAI favorably in the market.</a:t>
+            </a:r>
+          </a:p>
+          <a:p>
+            <a:r>
+              <a:rPr sz="2000">
+                <a:solidFill>
+                  <a:srgbClr val="000000"/>
+                </a:solidFill>
+              </a:rPr>
+              <a:t>Integration into widely used platforms enhances competitive advantage ([32]).Conclusion</a:t>
+            </a:r>
+          </a:p>
+          <a:p>
+            <a:pPr lvl="1"/>
+            <a:r>
+              <a:rPr sz="2000">
+                <a:solidFill>
+                  <a:srgbClr val="000000"/>
+                </a:solidFill>
+              </a:rPr>
+              <a:t>Valuation reflects strategic foresight and robust partnerships.</a:t>
+            </a:r>
+          </a:p>
+          <a:p>
+            <a:pPr lvl="1"/>
+            <a:r>
+              <a:rPr sz="2000">
+                <a:solidFill>
+                  <a:srgbClr val="000000"/>
+                </a:solidFill>
+              </a:rPr>
+              <a:t>Innovative growth strategies underscore potential for future success.</a:t>
+            </a:r>
+          </a:p>
+          <a:p>
+            <a:pPr lvl="1"/>
+            <a:r>
+              <a:rPr sz="2000">
+                <a:solidFill>
+                  <a:srgbClr val="000000"/>
+                </a:solidFill>
+              </a:rPr>
+              <a:t>Well-positioned to capitalize on emerging opportunities.</a:t>
+            </a:r>
+          </a:p>
+        </p:txBody>
+      </p:sp>
+    </p:spTree>
+  </p:cSld>
+  <p:clrMapOvr>
+    <a:masterClrMapping/>
+  </p:clrMapOvr>
+</p:sld>
+</file>
+
+<file path=ppt/slides/slide27.xml><?xml version="1.0" encoding="utf-8"?>
+<p:sld xmlns:a="http://schemas.openxmlformats.org/drawingml/2006/main" xmlns:r="http://schemas.openxmlformats.org/officeDocument/2006/relationships" xmlns:p="http://schemas.openxmlformats.org/presentationml/2006/main">
+  <p:cSld>
+    <p:spTree>
+      <p:nvGrpSpPr>
+        <p:cNvPr id="1" name=""/>
+        <p:cNvGrpSpPr/>
+        <p:nvPr/>
+      </p:nvGrpSpPr>
+      <p:grpSpPr>
+        <a:xfrm>
+          <a:off x="0" y="0"/>
+          <a:ext cx="0" cy="0"/>
+          <a:chOff x="0" y="0"/>
+          <a:chExt cx="0" cy="0"/>
+        </a:xfrm>
+      </p:grpSpPr>
+      <p:sp>
+        <p:nvSpPr>
+          <p:cNvPr id="2" name="Title 1"/>
+          <p:cNvSpPr>
+            <a:spLocks noGrp="1"/>
+          </p:cNvSpPr>
+          <p:nvPr>
+            <p:ph type="title"/>
+          </p:nvPr>
+        </p:nvSpPr>
+        <p:spPr/>
+        <p:txBody>
+          <a:bodyPr/>
+          <a:lstStyle/>
+          <a:p>
+            <a:pPr>
+              <a:defRPr sz="3600">
+                <a:solidFill>
+                  <a:srgbClr val="00008B"/>
+                </a:solidFill>
+              </a:defRPr>
+            </a:pPr>
+            <a:r>
+              <a:t>OpenAI's Strategic Overview</a:t>
+            </a:r>
+          </a:p>
+        </p:txBody>
+      </p:sp>
+      <p:sp>
+        <p:nvSpPr>
+          <p:cNvPr id="3" name="Content Placeholder 2"/>
+          <p:cNvSpPr>
+            <a:spLocks noGrp="1"/>
+          </p:cNvSpPr>
+          <p:nvPr>
+            <p:ph idx="1"/>
+          </p:nvPr>
+        </p:nvSpPr>
+        <p:spPr/>
+        <p:txBody>
+          <a:bodyPr/>
+          <a:lstStyle/>
+          <a:p>
+            <a:r>
+              <a:rPr sz="2000">
+                <a:solidFill>
+                  <a:srgbClr val="000000"/>
+                </a:solidFill>
+              </a:rPr>
+              <a:t>Introduction</a:t>
+            </a:r>
+          </a:p>
+          <a:p>
+            <a:pPr lvl="1"/>
+            <a:r>
+              <a:rPr sz="2000">
+                <a:solidFill>
+                  <a:srgbClr val="000000"/>
+                </a:solidFill>
+              </a:rPr>
+              <a:t>OpenAI leads in AI innovation with growth potential in the US market.</a:t>
+            </a:r>
+          </a:p>
+          <a:p>
+            <a:pPr lvl="1"/>
+            <a:r>
+              <a:rPr sz="2000">
+                <a:solidFill>
+                  <a:srgbClr val="000000"/>
+                </a:solidFill>
+              </a:rPr>
+              <a:t>Key growth drivers:</a:t>
+            </a:r>
+          </a:p>
+          <a:p>
+            <a:pPr lvl="2"/>
+            <a:r>
+              <a:rPr sz="2000">
+                <a:solidFill>
+                  <a:srgbClr val="000000"/>
+                </a:solidFill>
+              </a:rPr>
+              <a:t>Increasing demand for AI solutions.</a:t>
+            </a:r>
+          </a:p>
+          <a:p>
+            <a:pPr lvl="2"/>
+            <a:r>
+              <a:rPr sz="2000">
+                <a:solidFill>
+                  <a:srgbClr val="000000"/>
+                </a:solidFill>
+              </a:rPr>
+              <a:t>Scalability of OpenAI's models.</a:t>
+            </a:r>
+          </a:p>
+          <a:p>
+            <a:r>
+              <a:rPr sz="2000">
+                <a:solidFill>
+                  <a:srgbClr val="000000"/>
+                </a:solidFill>
+              </a:rPr>
+              <a:t>Adaptability to changing tech landscapes.Market Opportunity</a:t>
+            </a:r>
+          </a:p>
+          <a:p>
+            <a:pPr lvl="1"/>
+            <a:r>
+              <a:rPr sz="2000">
+                <a:solidFill>
+                  <a:srgbClr val="000000"/>
+                </a:solidFill>
+              </a:rPr>
+              <a:t>US market offers significant opportunities:</a:t>
+            </a:r>
+          </a:p>
+          <a:p>
+            <a:pPr lvl="2"/>
+            <a:r>
+              <a:rPr sz="2000">
+                <a:solidFill>
+                  <a:srgbClr val="000000"/>
+                </a:solidFill>
+              </a:rPr>
+              <a:t>Leader in AI adoption.</a:t>
+            </a:r>
+          </a:p>
+          <a:p>
+            <a:pPr lvl="2"/>
+            <a:r>
+              <a:rPr sz="2000">
+                <a:solidFill>
+                  <a:srgbClr val="000000"/>
+                </a:solidFill>
+              </a:rPr>
+              <a:t>Industries like healthcare and finance integrating AI.</a:t>
+            </a:r>
+          </a:p>
+          <a:p>
+            <a:pPr lvl="2"/>
+            <a:r>
+              <a:rPr sz="2000">
+                <a:solidFill>
+                  <a:srgbClr val="000000"/>
+                </a:solidFill>
+              </a:rPr>
+              <a:t>Mature market with high AI investment propensity.</a:t>
+            </a:r>
+          </a:p>
+        </p:txBody>
+      </p:sp>
+    </p:spTree>
+  </p:cSld>
+  <p:clrMapOvr>
+    <a:masterClrMapping/>
+  </p:clrMapOvr>
+</p:sld>
+</file>
+
+<file path=ppt/slides/slide28.xml><?xml version="1.0" encoding="utf-8"?>
+<p:sld xmlns:a="http://schemas.openxmlformats.org/drawingml/2006/main" xmlns:r="http://schemas.openxmlformats.org/officeDocument/2006/relationships" xmlns:p="http://schemas.openxmlformats.org/presentationml/2006/main">
+  <p:cSld>
+    <p:spTree>
+      <p:nvGrpSpPr>
+        <p:cNvPr id="1" name=""/>
+        <p:cNvGrpSpPr/>
+        <p:nvPr/>
+      </p:nvGrpSpPr>
+      <p:grpSpPr>
+        <a:xfrm>
+          <a:off x="0" y="0"/>
+          <a:ext cx="0" cy="0"/>
+          <a:chOff x="0" y="0"/>
+          <a:chExt cx="0" cy="0"/>
+        </a:xfrm>
+      </p:grpSpPr>
+      <p:sp>
+        <p:nvSpPr>
+          <p:cNvPr id="2" name="Title 1"/>
+          <p:cNvSpPr>
+            <a:spLocks noGrp="1"/>
+          </p:cNvSpPr>
+          <p:nvPr>
+            <p:ph type="title"/>
+          </p:nvPr>
+        </p:nvSpPr>
+        <p:spPr/>
+        <p:txBody>
+          <a:bodyPr/>
+          <a:lstStyle/>
+          <a:p>
+            <a:pPr>
+              <a:defRPr sz="3600">
+                <a:solidFill>
+                  <a:srgbClr val="00008B"/>
+                </a:solidFill>
+              </a:defRPr>
+            </a:pPr>
+            <a:r>
+              <a:t>Strategic Positioning and Partnerships</a:t>
+            </a:r>
+          </a:p>
+        </p:txBody>
+      </p:sp>
+      <p:sp>
+        <p:nvSpPr>
+          <p:cNvPr id="3" name="Content Placeholder 2"/>
+          <p:cNvSpPr>
+            <a:spLocks noGrp="1"/>
+          </p:cNvSpPr>
+          <p:nvPr>
+            <p:ph idx="1"/>
+          </p:nvPr>
+        </p:nvSpPr>
+        <p:spPr/>
+        <p:txBody>
+          <a:bodyPr/>
+          <a:lstStyle/>
+          <a:p>
+            <a:r>
+              <a:rPr sz="2000">
+                <a:solidFill>
+                  <a:srgbClr val="000000"/>
+                </a:solidFill>
+              </a:rPr>
+              <a:t>Strategic Positioning</a:t>
+            </a:r>
+          </a:p>
+          <a:p>
+            <a:pPr lvl="1"/>
+            <a:r>
+              <a:rPr sz="2000">
+                <a:solidFill>
+                  <a:srgbClr val="000000"/>
+                </a:solidFill>
+              </a:rPr>
+              <a:t>Success in Europe and Asia supports US entry.</a:t>
+            </a:r>
+          </a:p>
+          <a:p>
+            <a:pPr lvl="1"/>
+            <a:r>
+              <a:rPr sz="2000">
+                <a:solidFill>
+                  <a:srgbClr val="000000"/>
+                </a:solidFill>
+              </a:rPr>
+              <a:t>Advantages include:</a:t>
+            </a:r>
+          </a:p>
+          <a:p>
+            <a:pPr lvl="2"/>
+            <a:r>
+              <a:rPr sz="2000">
+                <a:solidFill>
+                  <a:srgbClr val="000000"/>
+                </a:solidFill>
+              </a:rPr>
+              <a:t>Advanced AI models like GPT-3.</a:t>
+            </a:r>
+          </a:p>
+          <a:p>
+            <a:r>
+              <a:rPr sz="2000">
+                <a:solidFill>
+                  <a:srgbClr val="000000"/>
+                </a:solidFill>
+              </a:rPr>
+              <a:t>Commitment to ethical AI as per OpenAI Charter ([33]).Partnerships and Support</a:t>
+            </a:r>
+          </a:p>
+          <a:p>
+            <a:pPr lvl="1"/>
+            <a:r>
+              <a:rPr sz="2000">
+                <a:solidFill>
+                  <a:srgbClr val="000000"/>
+                </a:solidFill>
+              </a:rPr>
+              <a:t>Strategic partnerships enhance competitive edge.</a:t>
+            </a:r>
+          </a:p>
+          <a:p>
+            <a:pPr lvl="1"/>
+            <a:r>
+              <a:rPr sz="2000">
+                <a:solidFill>
+                  <a:srgbClr val="000000"/>
+                </a:solidFill>
+              </a:rPr>
+              <a:t>Collaborations with firms like Microsoft provide:</a:t>
+            </a:r>
+          </a:p>
+          <a:p>
+            <a:pPr lvl="2"/>
+            <a:r>
+              <a:rPr sz="2000">
+                <a:solidFill>
+                  <a:srgbClr val="000000"/>
+                </a:solidFill>
+              </a:rPr>
+              <a:t>Financial support.</a:t>
+            </a:r>
+          </a:p>
+          <a:p>
+            <a:pPr lvl="2"/>
+            <a:r>
+              <a:rPr sz="2000">
+                <a:solidFill>
+                  <a:srgbClr val="000000"/>
+                </a:solidFill>
+              </a:rPr>
+              <a:t>Integration into popular platforms.</a:t>
+            </a:r>
+          </a:p>
+        </p:txBody>
+      </p:sp>
+    </p:spTree>
+  </p:cSld>
+  <p:clrMapOvr>
+    <a:masterClrMapping/>
+  </p:clrMapOvr>
+</p:sld>
+</file>
+
+<file path=ppt/slides/slide29.xml><?xml version="1.0" encoding="utf-8"?>
+<p:sld xmlns:a="http://schemas.openxmlformats.org/drawingml/2006/main" xmlns:r="http://schemas.openxmlformats.org/officeDocument/2006/relationships" xmlns:p="http://schemas.openxmlformats.org/presentationml/2006/main">
+  <p:cSld>
+    <p:spTree>
+      <p:nvGrpSpPr>
+        <p:cNvPr id="1" name=""/>
+        <p:cNvGrpSpPr/>
+        <p:nvPr/>
+      </p:nvGrpSpPr>
+      <p:grpSpPr>
+        <a:xfrm>
+          <a:off x="0" y="0"/>
+          <a:ext cx="0" cy="0"/>
+          <a:chOff x="0" y="0"/>
+          <a:chExt cx="0" cy="0"/>
+        </a:xfrm>
+      </p:grpSpPr>
+      <p:sp>
+        <p:nvSpPr>
+          <p:cNvPr id="2" name="Title 1"/>
+          <p:cNvSpPr>
+            <a:spLocks noGrp="1"/>
+          </p:cNvSpPr>
+          <p:nvPr>
+            <p:ph type="title"/>
+          </p:nvPr>
+        </p:nvSpPr>
+        <p:spPr/>
+        <p:txBody>
+          <a:bodyPr/>
+          <a:lstStyle/>
+          <a:p>
+            <a:pPr>
+              <a:defRPr sz="3600">
+                <a:solidFill>
+                  <a:srgbClr val="00008B"/>
+                </a:solidFill>
+              </a:defRPr>
+            </a:pPr>
+            <a:r>
+              <a:t>Investment Recommendation and Conclusion</a:t>
+            </a:r>
+          </a:p>
+        </p:txBody>
+      </p:sp>
+      <p:sp>
+        <p:nvSpPr>
+          <p:cNvPr id="3" name="Content Placeholder 2"/>
+          <p:cNvSpPr>
+            <a:spLocks noGrp="1"/>
+          </p:cNvSpPr>
+          <p:nvPr>
+            <p:ph idx="1"/>
+          </p:nvPr>
+        </p:nvSpPr>
+        <p:spPr/>
+        <p:txBody>
+          <a:bodyPr/>
+          <a:lstStyle/>
+          <a:p>
+            <a:r>
+              <a:rPr sz="2000">
+                <a:solidFill>
+                  <a:srgbClr val="000000"/>
+                </a:solidFill>
+              </a:rPr>
+              <a:t>Recommendation</a:t>
+            </a:r>
+          </a:p>
+          <a:p>
+            <a:pPr lvl="1"/>
+            <a:r>
+              <a:rPr sz="2000">
+                <a:solidFill>
+                  <a:srgbClr val="000000"/>
+                </a:solidFill>
+              </a:rPr>
+              <a:t>Strong investment in OpenAI is recommended due to:</a:t>
+            </a:r>
+          </a:p>
+          <a:p>
+            <a:pPr lvl="2"/>
+            <a:r>
+              <a:rPr sz="2000">
+                <a:solidFill>
+                  <a:srgbClr val="000000"/>
+                </a:solidFill>
+              </a:rPr>
+              <a:t>Impressive growth trajectory.</a:t>
+            </a:r>
+          </a:p>
+          <a:p>
+            <a:pPr lvl="2"/>
+            <a:r>
+              <a:rPr sz="2000">
+                <a:solidFill>
+                  <a:srgbClr val="000000"/>
+                </a:solidFill>
+              </a:rPr>
+              <a:t>Substantial market opportunities.</a:t>
+            </a:r>
+          </a:p>
+          <a:p>
+            <a:r>
+              <a:rPr sz="2000">
+                <a:solidFill>
+                  <a:srgbClr val="000000"/>
+                </a:solidFill>
+              </a:rPr>
+              <a:t>Strategic alliances for capitalizing on AI demand.Conclusion</a:t>
+            </a:r>
+          </a:p>
+          <a:p>
+            <a:pPr lvl="1"/>
+            <a:r>
+              <a:rPr sz="2000">
+                <a:solidFill>
+                  <a:srgbClr val="000000"/>
+                </a:solidFill>
+              </a:rPr>
+              <a:t>OpenAI's strategic positioning and partnerships make it a compelling investment.</a:t>
+            </a:r>
+          </a:p>
+          <a:p>
+            <a:pPr lvl="1"/>
+            <a:r>
+              <a:rPr sz="2000">
+                <a:solidFill>
+                  <a:srgbClr val="000000"/>
+                </a:solidFill>
+              </a:rPr>
+              <a:t>Potential to drive innovation and capture market share in the US.</a:t>
             </a:r>
           </a:p>
         </p:txBody>
@@ -3849,7 +6647,7 @@
 </file>
 
 <file path=ppt/slides/slide3.xml><?xml version="1.0" encoding="utf-8"?>
-<p:sld xmlns:a="http://schemas.openxmlformats.org/drawingml/2006/main" xmlns:p="http://schemas.openxmlformats.org/presentationml/2006/main" xmlns:r="http://schemas.openxmlformats.org/officeDocument/2006/relationships">
+<p:sld xmlns:a="http://schemas.openxmlformats.org/drawingml/2006/main" xmlns:r="http://schemas.openxmlformats.org/officeDocument/2006/relationships" xmlns:p="http://schemas.openxmlformats.org/presentationml/2006/main">
   <p:cSld>
     <p:spTree>
       <p:nvGrpSpPr>
@@ -3857,7 +6655,14 @@
         <p:cNvGrpSpPr/>
         <p:nvPr/>
       </p:nvGrpSpPr>
-      <p:grpSpPr/>
+      <p:grpSpPr>
+        <a:xfrm>
+          <a:off x="0" y="0"/>
+          <a:ext cx="0" cy="0"/>
+          <a:chOff x="0" y="0"/>
+          <a:chExt cx="0" cy="0"/>
+        </a:xfrm>
+      </p:grpSpPr>
       <p:sp>
         <p:nvSpPr>
           <p:cNvPr id="2" name="Title 1"/>
@@ -3872,7 +6677,18 @@
         <p:txBody>
           <a:bodyPr/>
           <a:lstStyle/>
-          <a:p/>
+          <a:p>
+            <a:pPr>
+              <a:defRPr sz="3600">
+                <a:solidFill>
+                  <a:srgbClr val="00008B"/>
+                </a:solidFill>
+              </a:defRPr>
+            </a:pPr>
+            <a:r>
+              <a:t>Strategic Partnerships and Competitive Positioning</a:t>
+            </a:r>
+          </a:p>
         </p:txBody>
       </p:sp>
       <p:sp>
@@ -3889,7 +6705,519 @@
         <p:txBody>
           <a:bodyPr/>
           <a:lstStyle/>
-          <a:p/>
+          <a:p>
+            <a:r>
+              <a:rPr sz="2000">
+                <a:solidFill>
+                  <a:srgbClr val="000000"/>
+                </a:solidFill>
+              </a:rPr>
+              <a:t>Strategic Partnerships</a:t>
+            </a:r>
+          </a:p>
+          <a:p>
+            <a:pPr lvl="1"/>
+            <a:r>
+              <a:rPr sz="2000">
+                <a:solidFill>
+                  <a:srgbClr val="000000"/>
+                </a:solidFill>
+              </a:rPr>
+              <a:t>Enhance service delivery and operational efficiency:</a:t>
+            </a:r>
+          </a:p>
+          <a:p>
+            <a:pPr lvl="2"/>
+            <a:r>
+              <a:rPr sz="2000">
+                <a:solidFill>
+                  <a:srgbClr val="000000"/>
+                </a:solidFill>
+              </a:rPr>
+              <a:t>Leverage partner strengths.</a:t>
+            </a:r>
+          </a:p>
+          <a:p>
+            <a:pPr lvl="2"/>
+            <a:r>
+              <a:rPr sz="2000">
+                <a:solidFill>
+                  <a:srgbClr val="000000"/>
+                </a:solidFill>
+              </a:rPr>
+              <a:t>Create synergies for improved workflow.</a:t>
+            </a:r>
+          </a:p>
+          <a:p>
+            <a:r>
+              <a:rPr sz="2000">
+                <a:solidFill>
+                  <a:srgbClr val="000000"/>
+                </a:solidFill>
+              </a:rPr>
+              <a:t>Facilitates access to new markets ([4]).Competitive Positioning</a:t>
+            </a:r>
+          </a:p>
+          <a:p>
+            <a:pPr lvl="1"/>
+            <a:r>
+              <a:rPr sz="2000">
+                <a:solidFill>
+                  <a:srgbClr val="000000"/>
+                </a:solidFill>
+              </a:rPr>
+              <a:t>Positions OpenAI as a leader in the AI sector:</a:t>
+            </a:r>
+          </a:p>
+          <a:p>
+            <a:pPr lvl="2"/>
+            <a:r>
+              <a:rPr sz="2000">
+                <a:solidFill>
+                  <a:srgbClr val="000000"/>
+                </a:solidFill>
+              </a:rPr>
+              <a:t>Competitive pricing.</a:t>
+            </a:r>
+          </a:p>
+          <a:p>
+            <a:pPr lvl="2"/>
+            <a:r>
+              <a:rPr sz="2000">
+                <a:solidFill>
+                  <a:srgbClr val="000000"/>
+                </a:solidFill>
+              </a:rPr>
+              <a:t>Superior service quality.</a:t>
+            </a:r>
+          </a:p>
+          <a:p>
+            <a:r>
+              <a:rPr sz="2000">
+                <a:solidFill>
+                  <a:srgbClr val="000000"/>
+                </a:solidFill>
+              </a:rPr>
+              <a:t>Empowers businesses to harness AI's potential ([5]).Conclusion</a:t>
+            </a:r>
+          </a:p>
+          <a:p>
+            <a:pPr lvl="1"/>
+            <a:r>
+              <a:rPr sz="2000">
+                <a:solidFill>
+                  <a:srgbClr val="000000"/>
+                </a:solidFill>
+              </a:rPr>
+              <a:t>Commitment to advancing the AI industry through:</a:t>
+            </a:r>
+          </a:p>
+          <a:p>
+            <a:pPr lvl="2"/>
+            <a:r>
+              <a:rPr sz="2000">
+                <a:solidFill>
+                  <a:srgbClr val="000000"/>
+                </a:solidFill>
+              </a:rPr>
+              <a:t>Enhanced service delivery.</a:t>
+            </a:r>
+          </a:p>
+          <a:p>
+            <a:pPr lvl="2"/>
+            <a:r>
+              <a:rPr sz="2000">
+                <a:solidFill>
+                  <a:srgbClr val="000000"/>
+                </a:solidFill>
+              </a:rPr>
+              <a:t>Optimized resource utilization.</a:t>
+            </a:r>
+          </a:p>
+          <a:p>
+            <a:pPr lvl="2"/>
+            <a:r>
+              <a:rPr sz="2000">
+                <a:solidFill>
+                  <a:srgbClr val="000000"/>
+                </a:solidFill>
+              </a:rPr>
+              <a:t>Strategic partnerships.</a:t>
+            </a:r>
+          </a:p>
+          <a:p>
+            <a:pPr lvl="1"/>
+            <a:r>
+              <a:rPr sz="2000">
+                <a:solidFill>
+                  <a:srgbClr val="000000"/>
+                </a:solidFill>
+              </a:rPr>
+              <a:t>Positions OpenAI as a key player in the AI landscape.</a:t>
+            </a:r>
+          </a:p>
+        </p:txBody>
+      </p:sp>
+    </p:spTree>
+  </p:cSld>
+  <p:clrMapOvr>
+    <a:masterClrMapping/>
+  </p:clrMapOvr>
+</p:sld>
+</file>
+
+<file path=ppt/slides/slide30.xml><?xml version="1.0" encoding="utf-8"?>
+<p:sld xmlns:a="http://schemas.openxmlformats.org/drawingml/2006/main" xmlns:r="http://schemas.openxmlformats.org/officeDocument/2006/relationships" xmlns:p="http://schemas.openxmlformats.org/presentationml/2006/main">
+  <p:cSld>
+    <p:spTree>
+      <p:nvGrpSpPr>
+        <p:cNvPr id="1" name=""/>
+        <p:cNvGrpSpPr/>
+        <p:nvPr/>
+      </p:nvGrpSpPr>
+      <p:grpSpPr>
+        <a:xfrm>
+          <a:off x="0" y="0"/>
+          <a:ext cx="0" cy="0"/>
+          <a:chOff x="0" y="0"/>
+          <a:chExt cx="0" cy="0"/>
+        </a:xfrm>
+      </p:grpSpPr>
+      <p:sp>
+        <p:nvSpPr>
+          <p:cNvPr id="2" name="Title 1"/>
+          <p:cNvSpPr>
+            <a:spLocks noGrp="1"/>
+          </p:cNvSpPr>
+          <p:nvPr>
+            <p:ph type="title"/>
+          </p:nvPr>
+        </p:nvSpPr>
+        <p:spPr/>
+        <p:txBody>
+          <a:bodyPr/>
+          <a:lstStyle/>
+          <a:p>
+            <a:pPr>
+              <a:defRPr sz="3600">
+                <a:solidFill>
+                  <a:srgbClr val="00008B"/>
+                </a:solidFill>
+              </a:defRPr>
+            </a:pPr>
+            <a:r>
+              <a:t>Citations</a:t>
+            </a:r>
+          </a:p>
+        </p:txBody>
+      </p:sp>
+      <p:sp>
+        <p:nvSpPr>
+          <p:cNvPr id="3" name="Content Placeholder 2"/>
+          <p:cNvSpPr>
+            <a:spLocks noGrp="1"/>
+          </p:cNvSpPr>
+          <p:nvPr>
+            <p:ph idx="1"/>
+          </p:nvPr>
+        </p:nvSpPr>
+        <p:spPr/>
+        <p:txBody>
+          <a:bodyPr/>
+          <a:lstStyle/>
+          <a:p>
+            <a:endParaRPr/>
+          </a:p>
+          <a:p>
+            <a:r>
+              <a:rPr sz="1200">
+                <a:solidFill>
+                  <a:srgbClr val="000000"/>
+                </a:solidFill>
+              </a:rPr>
+              <a:t>[1] [1] Azure OpenAI Service Overview - https://learn.microsoft.com/en-us/azure/ai-services/openai/overview</a:t>
+            </a:r>
+          </a:p>
+          <a:p>
+            <a:r>
+              <a:rPr sz="1200">
+                <a:solidFill>
+                  <a:srgbClr val="000000"/>
+                </a:solidFill>
+              </a:rPr>
+              <a:t>[2] [2] Azure OpenAI Service - 10</a:t>
+            </a:r>
+          </a:p>
+          <a:p>
+            <a:r>
+              <a:rPr sz="1200">
+                <a:solidFill>
+                  <a:srgbClr val="000000"/>
+                </a:solidFill>
+              </a:rPr>
+              <a:t>[3] [3] Azure OpenAI Service FAQ - https://learn.microsoft.com/en-us/azure/ai-services/openai/faq</a:t>
+            </a:r>
+          </a:p>
+          <a:p>
+            <a:r>
+              <a:rPr sz="1200">
+                <a:solidFill>
+                  <a:srgbClr val="000000"/>
+                </a:solidFill>
+              </a:rPr>
+              <a:t>[4] [4] General Availability of Azure OpenAI Service - https://azure.microsoft.com/en-us/blog/general-availability-of-azure-openai-service-expands-access-to-large-advanced-ai-models-with-added-enterprise-benefits/</a:t>
+            </a:r>
+          </a:p>
+          <a:p>
+            <a:r>
+              <a:rPr sz="1200">
+                <a:solidFill>
+                  <a:srgbClr val="000000"/>
+                </a:solidFill>
+              </a:rPr>
+              <a:t>[5] [5] The Future of AI: Applying O1 Models to Business Data - https://techcommunity.microsoft.com/t5/ai-ai-platform-blog/the-future-of-ai-oh-one-applying-o1-models-to-business-data/ba-p/4266799</a:t>
+            </a:r>
+          </a:p>
+          <a:p>
+            <a:r>
+              <a:rPr sz="1200">
+                <a:solidFill>
+                  <a:srgbClr val="000000"/>
+                </a:solidFill>
+              </a:rPr>
+              <a:t>[6] [6] OpenAI's Strategic Masterclass - OpenAI’s Strategic Masterclass</a:t>
+            </a:r>
+          </a:p>
+          <a:p>
+            <a:r>
+              <a:rPr sz="1200">
+                <a:solidFill>
+                  <a:srgbClr val="000000"/>
+                </a:solidFill>
+              </a:rPr>
+              <a:t>[7] [7] OpenAI's Partnership with Apple - https://www.reworked.co/digital-workplace/openais-partnership-with-apple-is-about-reach-and-path-to-profitability/</a:t>
+            </a:r>
+          </a:p>
+          <a:p>
+            <a:r>
+              <a:rPr sz="1200">
+                <a:solidFill>
+                  <a:srgbClr val="000000"/>
+                </a:solidFill>
+              </a:rPr>
+              <a:t>[8] [8] OpenAI's Approach to AI and National Security - https://openai.com/global-affairs/openais-approach-to-ai-and-national-security/</a:t>
+            </a:r>
+          </a:p>
+          <a:p>
+            <a:r>
+              <a:rPr sz="1200">
+                <a:solidFill>
+                  <a:srgbClr val="000000"/>
+                </a:solidFill>
+              </a:rPr>
+              <a:t>[9] [9] OpenAI Takes on Google - https://www.business-standard.com/technology/tech-news/openai-takes-on-google-chatgpt-now-searches-the-web-for-answers-124110100177_1.html</a:t>
+            </a:r>
+          </a:p>
+          <a:p>
+            <a:r>
+              <a:rPr sz="1200">
+                <a:solidFill>
+                  <a:srgbClr val="000000"/>
+                </a:solidFill>
+              </a:rPr>
+              <a:t>[10] [6] OpenAI's Strategic Masterclass - OpenAI’s Strategic Masterclass</a:t>
+            </a:r>
+          </a:p>
+          <a:p>
+            <a:r>
+              <a:rPr sz="1200">
+                <a:solidFill>
+                  <a:srgbClr val="000000"/>
+                </a:solidFill>
+              </a:rPr>
+              <a:t>[11] [11] OpenAI Case Study - https://cdotimes.com/2024/05/29/openai-case-study-the-rise-to-the-top-of-ai-companies/</a:t>
+            </a:r>
+          </a:p>
+          <a:p>
+            <a:r>
+              <a:rPr sz="1200">
+                <a:solidFill>
+                  <a:srgbClr val="000000"/>
+                </a:solidFill>
+              </a:rPr>
+              <a:t>[12] [12] Porter's Five Forces Analysis of OpenAI - https://www.konsyse.com/articles/porters-five-forces-analysis-of-openai/</a:t>
+            </a:r>
+          </a:p>
+          <a:p>
+            <a:r>
+              <a:rPr sz="1200">
+                <a:solidFill>
+                  <a:srgbClr val="000000"/>
+                </a:solidFill>
+              </a:rPr>
+              <a:t>[13] [13] OpenAI AI Lead Vanishes - https://fortune.com/2024/10/15/openai-ai-lead-vanishes-state-of-ai-report/</a:t>
+            </a:r>
+          </a:p>
+          <a:p>
+            <a:r>
+              <a:rPr sz="1200">
+                <a:solidFill>
+                  <a:srgbClr val="000000"/>
+                </a:solidFill>
+              </a:rPr>
+              <a:t>[14] [14] [OpenAI's 4 Big Challenges - Yahoo](https://www.yahoo.com/tech/openai-4-big-challenges-needs-091802810.html)</a:t>
+            </a:r>
+          </a:p>
+          <a:p>
+            <a:r>
+              <a:rPr sz="1200">
+                <a:solidFill>
+                  <a:srgbClr val="000000"/>
+                </a:solidFill>
+              </a:rPr>
+              <a:t>[15] [15] [The Financial Challenges of Leading in AI - Unite.AI](https://www.unite.ai/the-financial-challenges-of-leading-in-ai-a-look-at-openais-operating-costs/)</a:t>
+            </a:r>
+          </a:p>
+          <a:p>
+            <a:r>
+              <a:rPr sz="1200">
+                <a:solidFill>
+                  <a:srgbClr val="000000"/>
+                </a:solidFill>
+              </a:rPr>
+              <a:t>[16] [16] [OpenAI's Ambitious Growth Strategy - Unite.AI](https://www.unite.ai/openais-ambitious-growth-strategy-comes-with-steep-financial-risks/)</a:t>
+            </a:r>
+          </a:p>
+          <a:p>
+            <a:r>
+              <a:rPr sz="1200">
+                <a:solidFill>
+                  <a:srgbClr val="000000"/>
+                </a:solidFill>
+              </a:rPr>
+              <a:t>[17] [17] Forbes - https://www.forbes.com/advisor/business/ai-statistics/</a:t>
+            </a:r>
+          </a:p>
+          <a:p>
+            <a:r>
+              <a:rPr sz="1200">
+                <a:solidFill>
+                  <a:srgbClr val="000000"/>
+                </a:solidFill>
+              </a:rPr>
+              <a:t>[18] [18] Grand View Research - https://www.grandviewresearch.com/industry-analysis/us-artificial-intelligence-ai-market-report</a:t>
+            </a:r>
+          </a:p>
+          <a:p>
+            <a:r>
+              <a:rPr sz="1200">
+                <a:solidFill>
+                  <a:srgbClr val="000000"/>
+                </a:solidFill>
+              </a:rPr>
+              <a:t>[19] [19] Statista - https://www.statista.com/outlook/tmo/artificial-intelligence/united-states</a:t>
+            </a:r>
+          </a:p>
+          <a:p>
+            <a:r>
+              <a:rPr sz="1200">
+                <a:solidFill>
+                  <a:srgbClr val="000000"/>
+                </a:solidFill>
+              </a:rPr>
+              <a:t>[20] [20] Statista - https://www.statista.com/topics/7923/artificial-intelligence-ai-in-the-us/</a:t>
+            </a:r>
+          </a:p>
+          <a:p>
+            <a:r>
+              <a:rPr sz="1200">
+                <a:solidFill>
+                  <a:srgbClr val="000000"/>
+                </a:solidFill>
+              </a:rPr>
+              <a:t>[21] [21] Grand View Research - https://www.grandviewresearch.com/industry-analysis/artificial-intelligence-ai-market</a:t>
+            </a:r>
+          </a:p>
+          <a:p>
+            <a:r>
+              <a:rPr sz="1200">
+                <a:solidFill>
+                  <a:srgbClr val="000000"/>
+                </a:solidFill>
+              </a:rPr>
+              <a:t>[22] [22] NBC News - https://www.nbcnews.com/business/business-news/openai-closes-funding-157-billion-valuation-microsoft-nvidia-softbank-rcna173693</a:t>
+            </a:r>
+          </a:p>
+          <a:p>
+            <a:r>
+              <a:rPr sz="1200">
+                <a:solidFill>
+                  <a:srgbClr val="000000"/>
+                </a:solidFill>
+              </a:rPr>
+              <a:t>[23] [23] US News - https://money.usnews.com/investing/news/articles/2024-10-02/openai-closes-6-6-billion-funding-haul-at-valuation-of-157-billion-with-investment-from-microsoft-and-nvidia</a:t>
+            </a:r>
+          </a:p>
+          <a:p>
+            <a:r>
+              <a:rPr sz="1200">
+                <a:solidFill>
+                  <a:srgbClr val="000000"/>
+                </a:solidFill>
+              </a:rPr>
+              <a:t>[24] [24] Washington Post - https://www.washingtonpost.com/technology/2024/10/02/openai-funding-157-billion/</a:t>
+            </a:r>
+          </a:p>
+          <a:p>
+            <a:r>
+              <a:rPr sz="1200">
+                <a:solidFill>
+                  <a:srgbClr val="000000"/>
+                </a:solidFill>
+              </a:rPr>
+              <a:t>[25] [25] Reuters - https://www.reuters.com/technology/artificial-intelligence/openai-closes-66-billion-funding-haul-valuation-157-billion-with-investment-2024-10-02/</a:t>
+            </a:r>
+          </a:p>
+          <a:p>
+            <a:r>
+              <a:rPr sz="1200">
+                <a:solidFill>
+                  <a:srgbClr val="000000"/>
+                </a:solidFill>
+              </a:rPr>
+              <a:t>[26] [26] Yahoo Finance - https://finance.yahoo.com/news/openai-closed-funding-round-raising-161842157.html</a:t>
+            </a:r>
+          </a:p>
+          <a:p>
+            <a:r>
+              <a:rPr sz="1200">
+                <a:solidFill>
+                  <a:srgbClr val="000000"/>
+                </a:solidFill>
+              </a:rPr>
+              <a:t>[27] [31] The Inside Story of Microsoft's Partnership with OpenAI - https://www.newyorker.com/magazine/2023/12/11/the-inside-story-of-microsofts-partnership-with-openai</a:t>
+            </a:r>
+          </a:p>
+          <a:p>
+            <a:r>
+              <a:rPr sz="1200">
+                <a:solidFill>
+                  <a:srgbClr val="000000"/>
+                </a:solidFill>
+              </a:rPr>
+              <a:t>[28] [32] Microsoft and OpenAI Partnership Extension - https://www.theverge.com/2023/1/23/23567448/microsoft-openai-partnership-extension-ai</a:t>
+            </a:r>
+          </a:p>
+          <a:p>
+            <a:r>
+              <a:rPr sz="1200">
+                <a:solidFill>
+                  <a:srgbClr val="000000"/>
+                </a:solidFill>
+              </a:rPr>
+              <a:t>[29] [33] OpenAI Charter - https://openai.com/charter</a:t>
+            </a:r>
+          </a:p>
         </p:txBody>
       </p:sp>
     </p:spTree>
@@ -3901,7 +7229,7 @@
 </file>
 
 <file path=ppt/slides/slide4.xml><?xml version="1.0" encoding="utf-8"?>
-<p:sld xmlns:a="http://schemas.openxmlformats.org/drawingml/2006/main" xmlns:p="http://schemas.openxmlformats.org/presentationml/2006/main" xmlns:r="http://schemas.openxmlformats.org/officeDocument/2006/relationships">
+<p:sld xmlns:a="http://schemas.openxmlformats.org/drawingml/2006/main" xmlns:r="http://schemas.openxmlformats.org/officeDocument/2006/relationships" xmlns:p="http://schemas.openxmlformats.org/presentationml/2006/main">
   <p:cSld>
     <p:spTree>
       <p:nvGrpSpPr>
@@ -3909,7 +7237,14 @@
         <p:cNvGrpSpPr/>
         <p:nvPr/>
       </p:nvGrpSpPr>
-      <p:grpSpPr/>
+      <p:grpSpPr>
+        <a:xfrm>
+          <a:off x="0" y="0"/>
+          <a:ext cx="0" cy="0"/>
+          <a:chOff x="0" y="0"/>
+          <a:chExt cx="0" cy="0"/>
+        </a:xfrm>
+      </p:grpSpPr>
       <p:sp>
         <p:nvSpPr>
           <p:cNvPr id="2" name="Title 1"/>
@@ -3933,7 +7268,7 @@
               </a:defRPr>
             </a:pPr>
             <a:r>
-              <a:t>Operational Efficiency and Challenges</a:t>
+              <a:t>Investment Thesis Overview</a:t>
             </a:r>
           </a:p>
         </p:txBody>
@@ -3952,104 +7287,79 @@
         <p:txBody>
           <a:bodyPr/>
           <a:lstStyle/>
-          <a:p/>
-          <a:p>
-            <a:pPr/>
-            <a:r>
-              <a:rPr sz="2000">
-                <a:solidFill>
-                  <a:srgbClr val="000000"/>
-                </a:solidFill>
-              </a:rPr>
-              <a:t>Efficiency and Cost Advantages</a:t>
-            </a:r>
-          </a:p>
-          <a:p>
-            <a:pPr lvl="1"/>
-            <a:r>
-              <a:rPr sz="2000">
-                <a:solidFill>
-                  <a:srgbClr val="000000"/>
-                </a:solidFill>
-              </a:rPr>
-              <a:t>OpenAI leverages partnerships for resource optimization.</a:t>
-            </a:r>
-          </a:p>
-          <a:p>
-            <a:pPr lvl="2"/>
-            <a:r>
-              <a:rPr sz="2000">
-                <a:solidFill>
-                  <a:srgbClr val="000000"/>
-                </a:solidFill>
-              </a:rPr>
-              <a:t>Collaborations enhance technological capabilities.</a:t>
-            </a:r>
-          </a:p>
-          <a:p>
-            <a:pPr lvl="2"/>
-            <a:r>
-              <a:rPr sz="2000">
-                <a:solidFill>
-                  <a:srgbClr val="000000"/>
-                </a:solidFill>
-              </a:rPr>
-              <a:t>Streamlined processes improve service quality ([8]).</a:t>
-            </a:r>
-          </a:p>
-          <a:p>
-            <a:pPr/>
-            <a:r>
-              <a:rPr sz="2000">
-                <a:solidFill>
-                  <a:srgbClr val="000000"/>
-                </a:solidFill>
-              </a:rPr>
-              <a:t>Challenges</a:t>
-            </a:r>
-          </a:p>
-          <a:p>
-            <a:pPr lvl="1"/>
-            <a:r>
-              <a:rPr sz="2000">
-                <a:solidFill>
-                  <a:srgbClr val="000000"/>
-                </a:solidFill>
-              </a:rPr>
-              <a:t>Key challenges include:</a:t>
-            </a:r>
-          </a:p>
-          <a:p>
-            <a:pPr lvl="2"/>
-            <a:r>
-              <a:rPr sz="2000">
-                <a:solidFill>
-                  <a:srgbClr val="000000"/>
-                </a:solidFill>
-              </a:rPr>
-              <a:t>Scalability of AI solutions.</a:t>
-            </a:r>
-          </a:p>
-          <a:p>
-            <a:pPr lvl="2"/>
-            <a:r>
-              <a:rPr sz="2000">
-                <a:solidFill>
-                  <a:srgbClr val="000000"/>
-                </a:solidFill>
-              </a:rPr>
-              <a:t>Data privacy and regulatory hurdles.</a:t>
-            </a:r>
-          </a:p>
-          <a:p>
-            <a:pPr lvl="1"/>
-            <a:r>
-              <a:rPr sz="2000">
-                <a:solidFill>
-                  <a:srgbClr val="000000"/>
-                </a:solidFill>
-              </a:rPr>
-              <a:t>Plans for robust risk management ([9]).</a:t>
+          <a:p>
+            <a:r>
+              <a:rPr sz="2000">
+                <a:solidFill>
+                  <a:srgbClr val="000000"/>
+                </a:solidFill>
+              </a:rPr>
+              <a:t>Introduction</a:t>
+            </a:r>
+          </a:p>
+          <a:p>
+            <a:pPr lvl="1"/>
+            <a:r>
+              <a:rPr sz="2000">
+                <a:solidFill>
+                  <a:srgbClr val="000000"/>
+                </a:solidFill>
+              </a:rPr>
+              <a:t>OpenAI, headquartered in San Francisco, California, is a leader in AI research and deployment.</a:t>
+            </a:r>
+          </a:p>
+          <a:p>
+            <a:pPr lvl="1"/>
+            <a:r>
+              <a:rPr sz="2000">
+                <a:solidFill>
+                  <a:srgbClr val="000000"/>
+                </a:solidFill>
+              </a:rPr>
+              <a:t>Renowned for advanced AI models like ChatGPT, OpenAI aims to establish a cost-effective network in the U.S.</a:t>
+            </a:r>
+          </a:p>
+          <a:p>
+            <a:r>
+              <a:rPr sz="2000">
+                <a:solidFill>
+                  <a:srgbClr val="000000"/>
+                </a:solidFill>
+              </a:rPr>
+              <a:t>Objective: Leverage technology and partnerships for superior AI solutions at competitive costs.Phase 1: Strategic Partnerships</a:t>
+            </a:r>
+          </a:p>
+          <a:p>
+            <a:pPr lvl="1"/>
+            <a:r>
+              <a:rPr sz="2000">
+                <a:solidFill>
+                  <a:srgbClr val="000000"/>
+                </a:solidFill>
+              </a:rPr>
+              <a:t>Capitalizes on partnerships with Microsoft and Apple for substantial inbound volume.</a:t>
+            </a:r>
+          </a:p>
+          <a:p>
+            <a:pPr lvl="1"/>
+            <a:r>
+              <a:rPr sz="2000">
+                <a:solidFill>
+                  <a:srgbClr val="000000"/>
+                </a:solidFill>
+              </a:rPr>
+              <a:t>Integrates ChatGPT into Microsoft tools, enhancing enterprise offerings and adoption ([6]).</a:t>
+            </a:r>
+          </a:p>
+          <a:p>
+            <a:pPr lvl="1"/>
+            <a:r>
+              <a:rPr sz="2000">
+                <a:solidFill>
+                  <a:srgbClr val="000000"/>
+                </a:solidFill>
+              </a:rPr>
+              <a:t>Partnership with Apple embeds technology into its ecosystem, reaching millions.</a:t>
             </a:r>
           </a:p>
         </p:txBody>
@@ -4063,7 +7373,7 @@
 </file>
 
 <file path=ppt/slides/slide5.xml><?xml version="1.0" encoding="utf-8"?>
-<p:sld xmlns:a="http://schemas.openxmlformats.org/drawingml/2006/main" xmlns:p="http://schemas.openxmlformats.org/presentationml/2006/main" xmlns:r="http://schemas.openxmlformats.org/officeDocument/2006/relationships">
+<p:sld xmlns:a="http://schemas.openxmlformats.org/drawingml/2006/main" xmlns:r="http://schemas.openxmlformats.org/officeDocument/2006/relationships" xmlns:p="http://schemas.openxmlformats.org/presentationml/2006/main">
   <p:cSld>
     <p:spTree>
       <p:nvGrpSpPr>
@@ -4071,7 +7381,14 @@
         <p:cNvGrpSpPr/>
         <p:nvPr/>
       </p:nvGrpSpPr>
-      <p:grpSpPr/>
+      <p:grpSpPr>
+        <a:xfrm>
+          <a:off x="0" y="0"/>
+          <a:ext cx="0" cy="0"/>
+          <a:chOff x="0" y="0"/>
+          <a:chExt cx="0" cy="0"/>
+        </a:xfrm>
+      </p:grpSpPr>
       <p:sp>
         <p:nvSpPr>
           <p:cNvPr id="2" name="Title 1"/>
@@ -4095,7 +7412,7 @@
               </a:defRPr>
             </a:pPr>
             <a:r>
-              <a:t>Competitive Positioning and Conclusion</a:t>
+              <a:t>Expansion and Operational Efficiency</a:t>
             </a:r>
           </a:p>
         </p:txBody>
@@ -4114,93 +7431,57 @@
         <p:txBody>
           <a:bodyPr/>
           <a:lstStyle/>
-          <a:p/>
-          <a:p>
-            <a:pPr/>
-            <a:r>
-              <a:rPr sz="2000">
-                <a:solidFill>
-                  <a:srgbClr val="000000"/>
-                </a:solidFill>
-              </a:rPr>
-              <a:t>Market Positioning</a:t>
-            </a:r>
-          </a:p>
-          <a:p>
-            <a:pPr lvl="1"/>
-            <a:r>
-              <a:rPr sz="2000">
-                <a:solidFill>
-                  <a:srgbClr val="000000"/>
-                </a:solidFill>
-              </a:rPr>
-              <a:t>OpenAI's initiatives position it as an AI leader.</a:t>
-            </a:r>
-          </a:p>
-          <a:p>
-            <a:pPr lvl="2"/>
-            <a:r>
-              <a:rPr sz="2000">
-                <a:solidFill>
-                  <a:srgbClr val="000000"/>
-                </a:solidFill>
-              </a:rPr>
-              <a:t>Competitive pricing and superior service quality.</a:t>
-            </a:r>
-          </a:p>
-          <a:p>
-            <a:pPr lvl="2"/>
-            <a:r>
-              <a:rPr sz="2000">
-                <a:solidFill>
-                  <a:srgbClr val="000000"/>
-                </a:solidFill>
-              </a:rPr>
-              <a:t>Empowers businesses to harness AI's potential ([5]).</a:t>
-            </a:r>
-          </a:p>
-          <a:p>
-            <a:pPr/>
-            <a:r>
-              <a:rPr sz="2000">
-                <a:solidFill>
-                  <a:srgbClr val="000000"/>
-                </a:solidFill>
-              </a:rPr>
-              <a:t>Conclusion</a:t>
-            </a:r>
-          </a:p>
-          <a:p>
-            <a:pPr lvl="1"/>
-            <a:r>
-              <a:rPr sz="2000">
-                <a:solidFill>
-                  <a:srgbClr val="000000"/>
-                </a:solidFill>
-              </a:rPr>
-              <a:t>OpenAI's commitment to innovation drives growth.</a:t>
-            </a:r>
-          </a:p>
-          <a:p>
-            <a:pPr lvl="2"/>
-            <a:r>
-              <a:rPr sz="2000">
-                <a:solidFill>
-                  <a:srgbClr val="000000"/>
-                </a:solidFill>
-              </a:rPr>
-              <a:t>Enhances service delivery and resource utilization.</a:t>
-            </a:r>
-          </a:p>
-          <a:p>
-            <a:pPr lvl="2"/>
-            <a:r>
-              <a:rPr sz="2000">
-                <a:solidFill>
-                  <a:srgbClr val="000000"/>
-                </a:solidFill>
-              </a:rPr>
-              <a:t>Strengthens market position through strategic partnerships.</a:t>
+          <a:p>
+            <a:r>
+              <a:rPr sz="2000">
+                <a:solidFill>
+                  <a:srgbClr val="000000"/>
+                </a:solidFill>
+              </a:rPr>
+              <a:t>Phase 2: Recognition and Expansion</a:t>
+            </a:r>
+          </a:p>
+          <a:p>
+            <a:pPr lvl="1"/>
+            <a:r>
+              <a:rPr sz="2000">
+                <a:solidFill>
+                  <a:srgbClr val="000000"/>
+                </a:solidFill>
+              </a:rPr>
+              <a:t>Focus on attracting additional partners to enhance scale and improve unit economics.</a:t>
+            </a:r>
+          </a:p>
+          <a:p>
+            <a:r>
+              <a:rPr sz="2000">
+                <a:solidFill>
+                  <a:srgbClr val="000000"/>
+                </a:solidFill>
+              </a:rPr>
+              <a:t>Aims for broader reach, enhanced brand recognition, and competitive edge ([7]).Operational Efficiency</a:t>
+            </a:r>
+          </a:p>
+          <a:p>
+            <a:pPr lvl="1"/>
+            <a:r>
+              <a:rPr sz="2000">
+                <a:solidFill>
+                  <a:srgbClr val="000000"/>
+                </a:solidFill>
+              </a:rPr>
+              <a:t>Leverages partnerships for resource optimization and cost reduction.</a:t>
+            </a:r>
+          </a:p>
+          <a:p>
+            <a:pPr lvl="1"/>
+            <a:r>
+              <a:rPr sz="2000">
+                <a:solidFill>
+                  <a:srgbClr val="000000"/>
+                </a:solidFill>
+              </a:rPr>
+              <a:t>Unique collaborations with Microsoft and Apple streamline processes and enhance service quality ([8]).</a:t>
             </a:r>
           </a:p>
         </p:txBody>
@@ -4214,7 +7495,7 @@
 </file>
 
 <file path=ppt/slides/slide6.xml><?xml version="1.0" encoding="utf-8"?>
-<p:sld xmlns:a="http://schemas.openxmlformats.org/drawingml/2006/main" xmlns:p="http://schemas.openxmlformats.org/presentationml/2006/main" xmlns:r="http://schemas.openxmlformats.org/officeDocument/2006/relationships">
+<p:sld xmlns:a="http://schemas.openxmlformats.org/drawingml/2006/main" xmlns:r="http://schemas.openxmlformats.org/officeDocument/2006/relationships" xmlns:p="http://schemas.openxmlformats.org/presentationml/2006/main">
   <p:cSld>
     <p:spTree>
       <p:nvGrpSpPr>
@@ -4222,7 +7503,14 @@
         <p:cNvGrpSpPr/>
         <p:nvPr/>
       </p:nvGrpSpPr>
-      <p:grpSpPr/>
+      <p:grpSpPr>
+        <a:xfrm>
+          <a:off x="0" y="0"/>
+          <a:ext cx="0" cy="0"/>
+          <a:chOff x="0" y="0"/>
+          <a:chExt cx="0" cy="0"/>
+        </a:xfrm>
+      </p:grpSpPr>
       <p:sp>
         <p:nvSpPr>
           <p:cNvPr id="2" name="Title 1"/>
@@ -4237,7 +7525,18 @@
         <p:txBody>
           <a:bodyPr/>
           <a:lstStyle/>
-          <a:p/>
+          <a:p>
+            <a:pPr>
+              <a:defRPr sz="3600">
+                <a:solidFill>
+                  <a:srgbClr val="00008B"/>
+                </a:solidFill>
+              </a:defRPr>
+            </a:pPr>
+            <a:r>
+              <a:t>Challenges and Conclusion</a:t>
+            </a:r>
+          </a:p>
         </p:txBody>
       </p:sp>
       <p:sp>
@@ -4254,7 +7553,70 @@
         <p:txBody>
           <a:bodyPr/>
           <a:lstStyle/>
-          <a:p/>
+          <a:p>
+            <a:r>
+              <a:rPr sz="2000">
+                <a:solidFill>
+                  <a:srgbClr val="000000"/>
+                </a:solidFill>
+              </a:rPr>
+              <a:t>Challenges and Considerations</a:t>
+            </a:r>
+          </a:p>
+          <a:p>
+            <a:pPr lvl="1"/>
+            <a:r>
+              <a:rPr sz="2000">
+                <a:solidFill>
+                  <a:srgbClr val="000000"/>
+                </a:solidFill>
+              </a:rPr>
+              <a:t>Must navigate challenges to validate its business model.</a:t>
+            </a:r>
+          </a:p>
+          <a:p>
+            <a:pPr lvl="1"/>
+            <a:r>
+              <a:rPr sz="2000">
+                <a:solidFill>
+                  <a:srgbClr val="000000"/>
+                </a:solidFill>
+              </a:rPr>
+              <a:t>Key considerations include scalability, data privacy, and regulatory hurdles.</a:t>
+            </a:r>
+          </a:p>
+          <a:p>
+            <a:r>
+              <a:rPr sz="2000">
+                <a:solidFill>
+                  <a:srgbClr val="000000"/>
+                </a:solidFill>
+              </a:rPr>
+              <a:t>Plans to implement risk management and foster transparent communication ([9]).Conclusion</a:t>
+            </a:r>
+          </a:p>
+          <a:p>
+            <a:pPr lvl="1"/>
+            <a:r>
+              <a:rPr sz="2000">
+                <a:solidFill>
+                  <a:srgbClr val="000000"/>
+                </a:solidFill>
+              </a:rPr>
+              <a:t>OpenAI's strategic plan is underpinned by robust partnerships and phased market expansion.</a:t>
+            </a:r>
+          </a:p>
+          <a:p>
+            <a:pPr lvl="1"/>
+            <a:r>
+              <a:rPr sz="2000">
+                <a:solidFill>
+                  <a:srgbClr val="000000"/>
+                </a:solidFill>
+              </a:rPr>
+              <a:t>Well-positioned for growth and profitability in the AI industry.</a:t>
+            </a:r>
+          </a:p>
         </p:txBody>
       </p:sp>
     </p:spTree>
@@ -4266,7 +7628,7 @@
 </file>
 
 <file path=ppt/slides/slide7.xml><?xml version="1.0" encoding="utf-8"?>
-<p:sld xmlns:a="http://schemas.openxmlformats.org/drawingml/2006/main" xmlns:p="http://schemas.openxmlformats.org/presentationml/2006/main" xmlns:r="http://schemas.openxmlformats.org/officeDocument/2006/relationships">
+<p:sld xmlns:a="http://schemas.openxmlformats.org/drawingml/2006/main" xmlns:r="http://schemas.openxmlformats.org/officeDocument/2006/relationships" xmlns:p="http://schemas.openxmlformats.org/presentationml/2006/main">
   <p:cSld>
     <p:spTree>
       <p:nvGrpSpPr>
@@ -4274,7 +7636,14 @@
         <p:cNvGrpSpPr/>
         <p:nvPr/>
       </p:nvGrpSpPr>
-      <p:grpSpPr/>
+      <p:grpSpPr>
+        <a:xfrm>
+          <a:off x="0" y="0"/>
+          <a:ext cx="0" cy="0"/>
+          <a:chOff x="0" y="0"/>
+          <a:chExt cx="0" cy="0"/>
+        </a:xfrm>
+      </p:grpSpPr>
       <p:sp>
         <p:nvSpPr>
           <p:cNvPr id="2" name="Title 1"/>
@@ -4298,7 +7667,7 @@
               </a:defRPr>
             </a:pPr>
             <a:r>
-              <a:t>Market Landscape Overview</a:t>
+              <a:t>OpenAI Overview</a:t>
             </a:r>
           </a:p>
         </p:txBody>
@@ -4317,49 +7686,79 @@
         <p:txBody>
           <a:bodyPr/>
           <a:lstStyle/>
-          <a:p/>
-          <a:p>
-            <a:pPr/>
-            <a:r>
-              <a:rPr sz="2000">
-                <a:solidFill>
-                  <a:srgbClr val="000000"/>
-                </a:solidFill>
-              </a:rPr>
-              <a:t>AI Market Growth</a:t>
-            </a:r>
-          </a:p>
-          <a:p>
-            <a:pPr lvl="1"/>
-            <a:r>
-              <a:rPr sz="2000">
-                <a:solidFill>
-                  <a:srgbClr val="000000"/>
-                </a:solidFill>
-              </a:rPr>
-              <a:t>The AI market is rapidly growing, projected to expand from $42 billion in 2023 to $219 billion by 2030.</a:t>
-            </a:r>
-          </a:p>
-          <a:p>
-            <a:pPr lvl="2"/>
-            <a:r>
-              <a:rPr sz="2000">
-                <a:solidFill>
-                  <a:srgbClr val="000000"/>
-                </a:solidFill>
-              </a:rPr>
-              <a:t>CAGR of 25.6% driven by advancements in AI technologies.</a:t>
-            </a:r>
-          </a:p>
-          <a:p>
-            <a:pPr lvl="2"/>
-            <a:r>
-              <a:rPr sz="2000">
-                <a:solidFill>
-                  <a:srgbClr val="000000"/>
-                </a:solidFill>
-              </a:rPr>
-              <a:t>Integrated into sectors like healthcare, automotive, and finance ([17], [18], [19]).</a:t>
+          <a:p>
+            <a:r>
+              <a:rPr sz="2000">
+                <a:solidFill>
+                  <a:srgbClr val="000000"/>
+                </a:solidFill>
+              </a:rPr>
+              <a:t>Introduction</a:t>
+            </a:r>
+          </a:p>
+          <a:p>
+            <a:pPr lvl="1"/>
+            <a:r>
+              <a:rPr sz="2000">
+                <a:solidFill>
+                  <a:srgbClr val="000000"/>
+                </a:solidFill>
+              </a:rPr>
+              <a:t>OpenAI is pivotal in the AI landscape, known for groundbreaking advancements.</a:t>
+            </a:r>
+          </a:p>
+          <a:p>
+            <a:pPr lvl="1"/>
+            <a:r>
+              <a:rPr sz="2000">
+                <a:solidFill>
+                  <a:srgbClr val="000000"/>
+                </a:solidFill>
+              </a:rPr>
+              <a:t>Mission: Ensure AGI benefits all of humanity.</a:t>
+            </a:r>
+          </a:p>
+          <a:p>
+            <a:r>
+              <a:rPr sz="2000">
+                <a:solidFill>
+                  <a:srgbClr val="000000"/>
+                </a:solidFill>
+              </a:rPr>
+              <a:t>Established by leading tech figures, fostering innovation and collaboration across sectors ([11]).Competitive Advantages</a:t>
+            </a:r>
+          </a:p>
+          <a:p>
+            <a:pPr lvl="1"/>
+            <a:r>
+              <a:rPr sz="2000">
+                <a:solidFill>
+                  <a:srgbClr val="000000"/>
+                </a:solidFill>
+              </a:rPr>
+              <a:t>Pioneering AI models like GPT-4 with multi-modal capabilities.</a:t>
+            </a:r>
+          </a:p>
+          <a:p>
+            <a:pPr lvl="1"/>
+            <a:r>
+              <a:rPr sz="2000">
+                <a:solidFill>
+                  <a:srgbClr val="000000"/>
+                </a:solidFill>
+              </a:rPr>
+              <a:t>Maintains influence despite competitors like Google and Meta.</a:t>
+            </a:r>
+          </a:p>
+          <a:p>
+            <a:pPr lvl="1"/>
+            <a:r>
+              <a:rPr sz="2000">
+                <a:solidFill>
+                  <a:srgbClr val="000000"/>
+                </a:solidFill>
+              </a:rPr>
+              <a:t>Focus on product differentiation and ethical AI development ([12]).</a:t>
             </a:r>
           </a:p>
         </p:txBody>
@@ -4373,7 +7772,7 @@
 </file>
 
 <file path=ppt/slides/slide8.xml><?xml version="1.0" encoding="utf-8"?>
-<p:sld xmlns:a="http://schemas.openxmlformats.org/drawingml/2006/main" xmlns:p="http://schemas.openxmlformats.org/presentationml/2006/main" xmlns:r="http://schemas.openxmlformats.org/officeDocument/2006/relationships">
+<p:sld xmlns:a="http://schemas.openxmlformats.org/drawingml/2006/main" xmlns:r="http://schemas.openxmlformats.org/officeDocument/2006/relationships" xmlns:p="http://schemas.openxmlformats.org/presentationml/2006/main">
   <p:cSld>
     <p:spTree>
       <p:nvGrpSpPr>
@@ -4381,7 +7780,14 @@
         <p:cNvGrpSpPr/>
         <p:nvPr/>
       </p:nvGrpSpPr>
-      <p:grpSpPr/>
+      <p:grpSpPr>
+        <a:xfrm>
+          <a:off x="0" y="0"/>
+          <a:ext cx="0" cy="0"/>
+          <a:chOff x="0" y="0"/>
+          <a:chExt cx="0" cy="0"/>
+        </a:xfrm>
+      </p:grpSpPr>
       <p:sp>
         <p:nvSpPr>
           <p:cNvPr id="2" name="Title 1"/>
@@ -4396,7 +7802,18 @@
         <p:txBody>
           <a:bodyPr/>
           <a:lstStyle/>
-          <a:p/>
+          <a:p>
+            <a:pPr>
+              <a:defRPr sz="3600">
+                <a:solidFill>
+                  <a:srgbClr val="00008B"/>
+                </a:solidFill>
+              </a:defRPr>
+            </a:pPr>
+            <a:r>
+              <a:t>Strategic Positioning</a:t>
+            </a:r>
+          </a:p>
         </p:txBody>
       </p:sp>
       <p:sp>
@@ -4413,7 +7830,81 @@
         <p:txBody>
           <a:bodyPr/>
           <a:lstStyle/>
-          <a:p/>
+          <a:p>
+            <a:r>
+              <a:rPr sz="2000">
+                <a:solidFill>
+                  <a:srgbClr val="000000"/>
+                </a:solidFill>
+              </a:rPr>
+              <a:t>Strategic Partnerships</a:t>
+            </a:r>
+          </a:p>
+          <a:p>
+            <a:pPr lvl="1"/>
+            <a:r>
+              <a:rPr sz="2000">
+                <a:solidFill>
+                  <a:srgbClr val="000000"/>
+                </a:solidFill>
+              </a:rPr>
+              <a:t>Partnerships with Microsoft and Apple are crucial.</a:t>
+            </a:r>
+          </a:p>
+          <a:p>
+            <a:pPr lvl="1"/>
+            <a:r>
+              <a:rPr sz="2000">
+                <a:solidFill>
+                  <a:srgbClr val="000000"/>
+                </a:solidFill>
+              </a:rPr>
+              <a:t>Collaboration with Microsoft integrates OpenAI's models into its products.</a:t>
+            </a:r>
+          </a:p>
+          <a:p>
+            <a:r>
+              <a:rPr sz="2000">
+                <a:solidFill>
+                  <a:srgbClr val="000000"/>
+                </a:solidFill>
+              </a:rPr>
+              <a:t>Apple partnership aims to embed ChatGPT, broadening consumer reach ([6]).Service Excellence</a:t>
+            </a:r>
+          </a:p>
+          <a:p>
+            <a:pPr lvl="1"/>
+            <a:r>
+              <a:rPr sz="2000">
+                <a:solidFill>
+                  <a:srgbClr val="000000"/>
+                </a:solidFill>
+              </a:rPr>
+              <a:t>Superior performance and customer experience in service offerings.</a:t>
+            </a:r>
+          </a:p>
+          <a:p>
+            <a:pPr lvl="1"/>
+            <a:r>
+              <a:rPr sz="2000">
+                <a:solidFill>
+                  <a:srgbClr val="000000"/>
+                </a:solidFill>
+              </a:rPr>
+              <a:t>User-friendly APIs democratize AI access.</a:t>
+            </a:r>
+          </a:p>
+          <a:p>
+            <a:pPr lvl="1"/>
+            <a:r>
+              <a:rPr sz="2000">
+                <a:solidFill>
+                  <a:srgbClr val="000000"/>
+                </a:solidFill>
+              </a:rPr>
+              <a:t>Sets new standards in service delivery and customer satisfaction ([11]).</a:t>
+            </a:r>
+          </a:p>
         </p:txBody>
       </p:sp>
     </p:spTree>
@@ -4425,7 +7916,7 @@
 </file>
 
 <file path=ppt/slides/slide9.xml><?xml version="1.0" encoding="utf-8"?>
-<p:sld xmlns:a="http://schemas.openxmlformats.org/drawingml/2006/main" xmlns:p="http://schemas.openxmlformats.org/presentationml/2006/main" xmlns:r="http://schemas.openxmlformats.org/officeDocument/2006/relationships">
+<p:sld xmlns:a="http://schemas.openxmlformats.org/drawingml/2006/main" xmlns:r="http://schemas.openxmlformats.org/officeDocument/2006/relationships" xmlns:p="http://schemas.openxmlformats.org/presentationml/2006/main">
   <p:cSld>
     <p:spTree>
       <p:nvGrpSpPr>
@@ -4433,7 +7924,14 @@
         <p:cNvGrpSpPr/>
         <p:nvPr/>
       </p:nvGrpSpPr>
-      <p:grpSpPr/>
+      <p:grpSpPr>
+        <a:xfrm>
+          <a:off x="0" y="0"/>
+          <a:ext cx="0" cy="0"/>
+          <a:chOff x="0" y="0"/>
+          <a:chExt cx="0" cy="0"/>
+        </a:xfrm>
+      </p:grpSpPr>
       <p:sp>
         <p:nvSpPr>
           <p:cNvPr id="2" name="Title 1"/>
@@ -4457,7 +7955,7 @@
               </a:defRPr>
             </a:pPr>
             <a:r>
-              <a:t>Market Dynamics and Competitive Landscape</a:t>
+              <a:t>Market Dynamics and Growth</a:t>
             </a:r>
           </a:p>
         </p:txBody>
@@ -4476,104 +7974,79 @@
         <p:txBody>
           <a:bodyPr/>
           <a:lstStyle/>
-          <a:p/>
-          <a:p>
-            <a:pPr/>
-            <a:r>
-              <a:rPr sz="2000">
-                <a:solidFill>
-                  <a:srgbClr val="000000"/>
-                </a:solidFill>
-              </a:rPr>
-              <a:t>Demand Drivers</a:t>
-            </a:r>
-          </a:p>
-          <a:p>
-            <a:pPr lvl="1"/>
-            <a:r>
-              <a:rPr sz="2000">
-                <a:solidFill>
-                  <a:srgbClr val="000000"/>
-                </a:solidFill>
-              </a:rPr>
-              <a:t>Demand for AI solutions is driven by:</a:t>
-            </a:r>
-          </a:p>
-          <a:p>
-            <a:pPr lvl="2"/>
-            <a:r>
-              <a:rPr sz="2000">
-                <a:solidFill>
-                  <a:srgbClr val="000000"/>
-                </a:solidFill>
-              </a:rPr>
-              <a:t>Enhanced productivity and operational efficiency.</a:t>
-            </a:r>
-          </a:p>
-          <a:p>
-            <a:pPr lvl="2"/>
-            <a:r>
-              <a:rPr sz="2000">
-                <a:solidFill>
-                  <a:srgbClr val="000000"/>
-                </a:solidFill>
-              </a:rPr>
-              <a:t>Shifting consumer behavior towards personalized experiences.</a:t>
-            </a:r>
-          </a:p>
-          <a:p>
-            <a:pPr lvl="1"/>
-            <a:r>
-              <a:rPr sz="2000">
-                <a:solidFill>
-                  <a:srgbClr val="000000"/>
-                </a:solidFill>
-              </a:rPr>
-              <a:t>U.S. as a hub for AI activity with robust infrastructure ([20]).</a:t>
-            </a:r>
-          </a:p>
-          <a:p>
-            <a:pPr/>
-            <a:r>
-              <a:rPr sz="2000">
-                <a:solidFill>
-                  <a:srgbClr val="000000"/>
-                </a:solidFill>
-              </a:rPr>
-              <a:t>Competitive Environment</a:t>
-            </a:r>
-          </a:p>
-          <a:p>
-            <a:pPr lvl="1"/>
-            <a:r>
-              <a:rPr sz="2000">
-                <a:solidFill>
-                  <a:srgbClr val="000000"/>
-                </a:solidFill>
-              </a:rPr>
-              <a:t>Dominated by major players like Google and Microsoft.</a:t>
-            </a:r>
-          </a:p>
-          <a:p>
-            <a:pPr lvl="2"/>
-            <a:r>
-              <a:rPr sz="2000">
-                <a:solidFill>
-                  <a:srgbClr val="000000"/>
-                </a:solidFill>
-              </a:rPr>
-              <a:t>Traditional firms face challenges adapting to advancements.</a:t>
-            </a:r>
-          </a:p>
-          <a:p>
-            <a:pPr lvl="2"/>
-            <a:r>
-              <a:rPr sz="2000">
-                <a:solidFill>
-                  <a:srgbClr val="000000"/>
-                </a:solidFill>
-              </a:rPr>
-              <a:t>Emerging companies like OpenAI focus on ethical practices ([21]).</a:t>
+          <a:p>
+            <a:r>
+              <a:rPr sz="2000">
+                <a:solidFill>
+                  <a:srgbClr val="000000"/>
+                </a:solidFill>
+              </a:rPr>
+              <a:t>Market Challenges and Opportunities</a:t>
+            </a:r>
+          </a:p>
+          <a:p>
+            <a:pPr lvl="1"/>
+            <a:r>
+              <a:rPr sz="2000">
+                <a:solidFill>
+                  <a:srgbClr val="000000"/>
+                </a:solidFill>
+              </a:rPr>
+              <a:t>Faces intense competition from established and emerging players.</a:t>
+            </a:r>
+          </a:p>
+          <a:p>
+            <a:pPr lvl="1"/>
+            <a:r>
+              <a:rPr sz="2000">
+                <a:solidFill>
+                  <a:srgbClr val="000000"/>
+                </a:solidFill>
+              </a:rPr>
+              <a:t>Decreasing barriers to entry necessitate continuous innovation.</a:t>
+            </a:r>
+          </a:p>
+          <a:p>
+            <a:r>
+              <a:rPr sz="2000">
+                <a:solidFill>
+                  <a:srgbClr val="000000"/>
+                </a:solidFill>
+              </a:rPr>
+              <a:t>Opportunities to leverage technology and partnerships for growth ([13]).Growth Potential</a:t>
+            </a:r>
+          </a:p>
+          <a:p>
+            <a:pPr lvl="1"/>
+            <a:r>
+              <a:rPr sz="2000">
+                <a:solidFill>
+                  <a:srgbClr val="000000"/>
+                </a:solidFill>
+              </a:rPr>
+              <a:t>Strategic positioning and robust alliances underscore growth potential.</a:t>
+            </a:r>
+          </a:p>
+          <a:p>
+            <a:pPr lvl="1"/>
+            <a:r>
+              <a:rPr sz="2000">
+                <a:solidFill>
+                  <a:srgbClr val="000000"/>
+                </a:solidFill>
+              </a:rPr>
+              <a:t>Focus on ethical AI development and partnerships.</a:t>
+            </a:r>
+          </a:p>
+          <a:p>
+            <a:pPr lvl="1"/>
+            <a:r>
+              <a:rPr sz="2000">
+                <a:solidFill>
+                  <a:srgbClr val="000000"/>
+                </a:solidFill>
+              </a:rPr>
+              <a:t>Well-positioned to navigate the evolving AI landscape ([6]).</a:t>
             </a:r>
           </a:p>
         </p:txBody>
